--- a/Documents/TheMeanSquares_ASUSChallenge.pptx
+++ b/Documents/TheMeanSquares_ASUSChallenge.pptx
@@ -5,10 +5,10 @@
     <p:sldMasterId id="2147483648" r:id="rId1"/>
   </p:sldMasterIdLst>
   <p:notesMasterIdLst>
-    <p:notesMasterId r:id="rId12"/>
+    <p:notesMasterId r:id="rId16"/>
   </p:notesMasterIdLst>
   <p:handoutMasterIdLst>
-    <p:handoutMasterId r:id="rId13"/>
+    <p:handoutMasterId r:id="rId17"/>
   </p:handoutMasterIdLst>
   <p:sldIdLst>
     <p:sldId id="256" r:id="rId2"/>
@@ -20,7 +20,11 @@
     <p:sldId id="262" r:id="rId8"/>
     <p:sldId id="263" r:id="rId9"/>
     <p:sldId id="264" r:id="rId10"/>
-    <p:sldId id="258" r:id="rId11"/>
+    <p:sldId id="266" r:id="rId11"/>
+    <p:sldId id="267" r:id="rId12"/>
+    <p:sldId id="268" r:id="rId13"/>
+    <p:sldId id="269" r:id="rId14"/>
+    <p:sldId id="258" r:id="rId15"/>
   </p:sldIdLst>
   <p:sldSz cx="12192000" cy="6858000"/>
   <p:notesSz cx="6858000" cy="9144000"/>
@@ -302,7 +306,7 @@
           <a:p>
             <a:fld id="{3D9E2604-748C-402D-98BA-E22ABA5BF11B}" type="slidenum">
               <a:rPr lang="en-GB" smtClean="0"/>
-              <a:t>‹Nr.›</a:t>
+              <a:t>‹#›</a:t>
             </a:fld>
             <a:endParaRPr lang="en-GB"/>
           </a:p>
@@ -564,7 +568,7 @@
           <a:p>
             <a:fld id="{0B446848-A873-4A70-897D-4998CE131F30}" type="slidenum">
               <a:rPr lang="en-GB" smtClean="0"/>
-              <a:t>‹Nr.›</a:t>
+              <a:t>‹#›</a:t>
             </a:fld>
             <a:endParaRPr lang="en-GB"/>
           </a:p>
@@ -880,7 +884,7 @@
           <a:p>
             <a:fld id="{729B7826-D7EA-4ED7-AA55-2B2049A0AAD1}" type="slidenum">
               <a:rPr lang="en-GB" smtClean="0"/>
-              <a:t>‹Nr.›</a:t>
+              <a:t>‹#›</a:t>
             </a:fld>
             <a:endParaRPr lang="en-GB"/>
           </a:p>
@@ -1083,7 +1087,7 @@
           <a:p>
             <a:fld id="{729B7826-D7EA-4ED7-AA55-2B2049A0AAD1}" type="slidenum">
               <a:rPr lang="en-GB" smtClean="0"/>
-              <a:t>‹Nr.›</a:t>
+              <a:t>‹#›</a:t>
             </a:fld>
             <a:endParaRPr lang="en-GB"/>
           </a:p>
@@ -1296,7 +1300,7 @@
           <a:p>
             <a:fld id="{729B7826-D7EA-4ED7-AA55-2B2049A0AAD1}" type="slidenum">
               <a:rPr lang="en-GB" smtClean="0"/>
-              <a:t>‹Nr.›</a:t>
+              <a:t>‹#›</a:t>
             </a:fld>
             <a:endParaRPr lang="en-GB"/>
           </a:p>
@@ -1499,7 +1503,7 @@
           <a:p>
             <a:fld id="{729B7826-D7EA-4ED7-AA55-2B2049A0AAD1}" type="slidenum">
               <a:rPr lang="en-GB" smtClean="0"/>
-              <a:t>‹Nr.›</a:t>
+              <a:t>‹#›</a:t>
             </a:fld>
             <a:endParaRPr lang="en-GB"/>
           </a:p>
@@ -1778,7 +1782,7 @@
           <a:p>
             <a:fld id="{729B7826-D7EA-4ED7-AA55-2B2049A0AAD1}" type="slidenum">
               <a:rPr lang="en-GB" smtClean="0"/>
-              <a:t>‹Nr.›</a:t>
+              <a:t>‹#›</a:t>
             </a:fld>
             <a:endParaRPr lang="en-GB"/>
           </a:p>
@@ -2049,7 +2053,7 @@
           <a:p>
             <a:fld id="{729B7826-D7EA-4ED7-AA55-2B2049A0AAD1}" type="slidenum">
               <a:rPr lang="en-GB" smtClean="0"/>
-              <a:t>‹Nr.›</a:t>
+              <a:t>‹#›</a:t>
             </a:fld>
             <a:endParaRPr lang="en-GB"/>
           </a:p>
@@ -2467,7 +2471,7 @@
           <a:p>
             <a:fld id="{729B7826-D7EA-4ED7-AA55-2B2049A0AAD1}" type="slidenum">
               <a:rPr lang="en-GB" smtClean="0"/>
-              <a:t>‹Nr.›</a:t>
+              <a:t>‹#›</a:t>
             </a:fld>
             <a:endParaRPr lang="en-GB"/>
           </a:p>
@@ -2612,7 +2616,7 @@
           <a:p>
             <a:fld id="{729B7826-D7EA-4ED7-AA55-2B2049A0AAD1}" type="slidenum">
               <a:rPr lang="en-GB" smtClean="0"/>
-              <a:t>‹Nr.›</a:t>
+              <a:t>‹#›</a:t>
             </a:fld>
             <a:endParaRPr lang="en-GB"/>
           </a:p>
@@ -2728,7 +2732,7 @@
           <a:p>
             <a:fld id="{729B7826-D7EA-4ED7-AA55-2B2049A0AAD1}" type="slidenum">
               <a:rPr lang="en-GB" smtClean="0"/>
-              <a:t>‹Nr.›</a:t>
+              <a:t>‹#›</a:t>
             </a:fld>
             <a:endParaRPr lang="en-GB"/>
           </a:p>
@@ -3044,7 +3048,7 @@
           <a:p>
             <a:fld id="{729B7826-D7EA-4ED7-AA55-2B2049A0AAD1}" type="slidenum">
               <a:rPr lang="en-GB" smtClean="0"/>
-              <a:t>‹Nr.›</a:t>
+              <a:t>‹#›</a:t>
             </a:fld>
             <a:endParaRPr lang="en-GB"/>
           </a:p>
@@ -3336,7 +3340,7 @@
           <a:p>
             <a:fld id="{729B7826-D7EA-4ED7-AA55-2B2049A0AAD1}" type="slidenum">
               <a:rPr lang="en-GB" smtClean="0"/>
-              <a:t>‹Nr.›</a:t>
+              <a:t>‹#›</a:t>
             </a:fld>
             <a:endParaRPr lang="en-GB"/>
           </a:p>
@@ -4144,6 +4148,905 @@
       </p:grpSpPr>
       <p:sp>
         <p:nvSpPr>
+          <p:cNvPr id="2" name="Title 1"/>
+          <p:cNvSpPr>
+            <a:spLocks noGrp="1"/>
+          </p:cNvSpPr>
+          <p:nvPr>
+            <p:ph type="title"/>
+          </p:nvPr>
+        </p:nvSpPr>
+        <p:spPr/>
+        <p:txBody>
+          <a:bodyPr/>
+          <a:lstStyle/>
+          <a:p>
+            <a:r>
+              <a:rPr lang="en-GB" dirty="0" smtClean="0"/>
+              <a:t>The </a:t>
+            </a:r>
+            <a:r>
+              <a:rPr lang="en-GB" dirty="0" err="1" smtClean="0"/>
+              <a:t>Webinterface</a:t>
+            </a:r>
+            <a:endParaRPr lang="en-US" dirty="0"/>
+          </a:p>
+        </p:txBody>
+      </p:sp>
+      <p:sp>
+        <p:nvSpPr>
+          <p:cNvPr id="4" name="Date Placeholder 3"/>
+          <p:cNvSpPr>
+            <a:spLocks noGrp="1"/>
+          </p:cNvSpPr>
+          <p:nvPr>
+            <p:ph type="dt" sz="half" idx="10"/>
+          </p:nvPr>
+        </p:nvSpPr>
+        <p:spPr/>
+        <p:txBody>
+          <a:bodyPr/>
+          <a:lstStyle/>
+          <a:p>
+            <a:r>
+              <a:rPr lang="en-US" smtClean="0"/>
+              <a:t>ASUS Robotics &amp; AI Center Challenge</a:t>
+            </a:r>
+            <a:endParaRPr lang="en-GB"/>
+          </a:p>
+        </p:txBody>
+      </p:sp>
+      <p:sp>
+        <p:nvSpPr>
+          <p:cNvPr id="5" name="Footer Placeholder 4"/>
+          <p:cNvSpPr>
+            <a:spLocks noGrp="1"/>
+          </p:cNvSpPr>
+          <p:nvPr>
+            <p:ph type="ftr" sz="quarter" idx="11"/>
+          </p:nvPr>
+        </p:nvSpPr>
+        <p:spPr/>
+        <p:txBody>
+          <a:bodyPr/>
+          <a:lstStyle/>
+          <a:p>
+            <a:r>
+              <a:rPr lang="en-GB" smtClean="0"/>
+              <a:t>The Mean Squares</a:t>
+            </a:r>
+            <a:endParaRPr lang="en-GB"/>
+          </a:p>
+        </p:txBody>
+      </p:sp>
+      <p:sp>
+        <p:nvSpPr>
+          <p:cNvPr id="6" name="Slide Number Placeholder 5"/>
+          <p:cNvSpPr>
+            <a:spLocks noGrp="1"/>
+          </p:cNvSpPr>
+          <p:nvPr>
+            <p:ph type="sldNum" sz="quarter" idx="12"/>
+          </p:nvPr>
+        </p:nvSpPr>
+        <p:spPr/>
+        <p:txBody>
+          <a:bodyPr/>
+          <a:lstStyle/>
+          <a:p>
+            <a:fld id="{729B7826-D7EA-4ED7-AA55-2B2049A0AAD1}" type="slidenum">
+              <a:rPr lang="en-GB" smtClean="0"/>
+              <a:t>10</a:t>
+            </a:fld>
+            <a:endParaRPr lang="en-GB"/>
+          </a:p>
+        </p:txBody>
+      </p:sp>
+      <p:pic>
+        <p:nvPicPr>
+          <p:cNvPr id="7" name="Picture 6"/>
+          <p:cNvPicPr>
+            <a:picLocks noChangeAspect="1"/>
+          </p:cNvPicPr>
+          <p:nvPr/>
+        </p:nvPicPr>
+        <p:blipFill>
+          <a:blip r:embed="rId2"/>
+          <a:stretch>
+            <a:fillRect/>
+          </a:stretch>
+        </p:blipFill>
+        <p:spPr>
+          <a:xfrm>
+            <a:off x="6459093" y="2643950"/>
+            <a:ext cx="4705350" cy="3238500"/>
+          </a:xfrm>
+          <a:prstGeom prst="rect">
+            <a:avLst/>
+          </a:prstGeom>
+        </p:spPr>
+      </p:pic>
+      <p:sp>
+        <p:nvSpPr>
+          <p:cNvPr id="8" name="Inhaltsplatzhalter 2">
+            <a:extLst>
+              <a:ext uri="{FF2B5EF4-FFF2-40B4-BE49-F238E27FC236}">
+                <a16:creationId xmlns:a16="http://schemas.microsoft.com/office/drawing/2014/main" id="{132748EF-B3CA-4D65-B6EC-94FF71A87E83}"/>
+              </a:ext>
+            </a:extLst>
+          </p:cNvPr>
+          <p:cNvSpPr>
+            <a:spLocks noGrp="1"/>
+          </p:cNvSpPr>
+          <p:nvPr>
+            <p:ph idx="1"/>
+          </p:nvPr>
+        </p:nvSpPr>
+        <p:spPr>
+          <a:xfrm>
+            <a:off x="838200" y="1690688"/>
+            <a:ext cx="10515600" cy="4351338"/>
+          </a:xfrm>
+        </p:spPr>
+        <p:txBody>
+          <a:bodyPr/>
+          <a:lstStyle/>
+          <a:p>
+            <a:pPr marL="0" indent="0">
+              <a:buNone/>
+            </a:pPr>
+            <a:r>
+              <a:rPr lang="en-GB" dirty="0" smtClean="0"/>
+              <a:t>With our interactive </a:t>
+            </a:r>
+            <a:r>
+              <a:rPr lang="en-GB" dirty="0" err="1" smtClean="0"/>
+              <a:t>webinterface</a:t>
+            </a:r>
+            <a:r>
+              <a:rPr lang="en-GB" dirty="0" smtClean="0"/>
+              <a:t> the state of our </a:t>
+            </a:r>
+            <a:r>
+              <a:rPr lang="en-GB" dirty="0" err="1" smtClean="0"/>
+              <a:t>IoT</a:t>
+            </a:r>
+            <a:r>
+              <a:rPr lang="en-GB" dirty="0" smtClean="0"/>
+              <a:t> system can monitored. New Rules for interaction between actuators and sensors can be added on the fly</a:t>
+            </a:r>
+            <a:endParaRPr lang="en-GB" dirty="0"/>
+          </a:p>
+        </p:txBody>
+      </p:sp>
+    </p:spTree>
+    <p:extLst>
+      <p:ext uri="{BB962C8B-B14F-4D97-AF65-F5344CB8AC3E}">
+        <p14:creationId xmlns:p14="http://schemas.microsoft.com/office/powerpoint/2010/main" val="1962166311"/>
+      </p:ext>
+    </p:extLst>
+  </p:cSld>
+  <p:clrMapOvr>
+    <a:masterClrMapping/>
+  </p:clrMapOvr>
+</p:sld>
+</file>
+
+<file path=ppt/slides/slide11.xml><?xml version="1.0" encoding="utf-8"?>
+<p:sld xmlns:a="http://schemas.openxmlformats.org/drawingml/2006/main" xmlns:r="http://schemas.openxmlformats.org/officeDocument/2006/relationships" xmlns:p="http://schemas.openxmlformats.org/presentationml/2006/main">
+  <p:cSld>
+    <p:spTree>
+      <p:nvGrpSpPr>
+        <p:cNvPr id="1" name=""/>
+        <p:cNvGrpSpPr/>
+        <p:nvPr/>
+      </p:nvGrpSpPr>
+      <p:grpSpPr>
+        <a:xfrm>
+          <a:off x="0" y="0"/>
+          <a:ext cx="0" cy="0"/>
+          <a:chOff x="0" y="0"/>
+          <a:chExt cx="0" cy="0"/>
+        </a:xfrm>
+      </p:grpSpPr>
+      <p:sp>
+        <p:nvSpPr>
+          <p:cNvPr id="2" name="Title 1"/>
+          <p:cNvSpPr>
+            <a:spLocks noGrp="1"/>
+          </p:cNvSpPr>
+          <p:nvPr>
+            <p:ph type="title"/>
+          </p:nvPr>
+        </p:nvSpPr>
+        <p:spPr/>
+        <p:txBody>
+          <a:bodyPr/>
+          <a:lstStyle/>
+          <a:p>
+            <a:r>
+              <a:rPr lang="en-GB" dirty="0"/>
+              <a:t>The </a:t>
+            </a:r>
+            <a:r>
+              <a:rPr lang="en-GB" dirty="0" smtClean="0"/>
+              <a:t>Sensor</a:t>
+            </a:r>
+            <a:endParaRPr lang="en-US" dirty="0"/>
+          </a:p>
+        </p:txBody>
+      </p:sp>
+      <p:pic>
+        <p:nvPicPr>
+          <p:cNvPr id="7" name="Content Placeholder 6"/>
+          <p:cNvPicPr>
+            <a:picLocks noGrp="1" noChangeAspect="1"/>
+          </p:cNvPicPr>
+          <p:nvPr>
+            <p:ph idx="1"/>
+          </p:nvPr>
+        </p:nvPicPr>
+        <p:blipFill>
+          <a:blip r:embed="rId2"/>
+          <a:stretch>
+            <a:fillRect/>
+          </a:stretch>
+        </p:blipFill>
+        <p:spPr>
+          <a:xfrm>
+            <a:off x="432434" y="1690688"/>
+            <a:ext cx="5431917" cy="3839427"/>
+          </a:xfrm>
+          <a:prstGeom prst="rect">
+            <a:avLst/>
+          </a:prstGeom>
+        </p:spPr>
+      </p:pic>
+      <p:sp>
+        <p:nvSpPr>
+          <p:cNvPr id="4" name="Date Placeholder 3"/>
+          <p:cNvSpPr>
+            <a:spLocks noGrp="1"/>
+          </p:cNvSpPr>
+          <p:nvPr>
+            <p:ph type="dt" sz="half" idx="10"/>
+          </p:nvPr>
+        </p:nvSpPr>
+        <p:spPr/>
+        <p:txBody>
+          <a:bodyPr/>
+          <a:lstStyle/>
+          <a:p>
+            <a:r>
+              <a:rPr lang="en-US" smtClean="0"/>
+              <a:t>ASUS Robotics &amp; AI Center Challenge</a:t>
+            </a:r>
+            <a:endParaRPr lang="en-GB"/>
+          </a:p>
+        </p:txBody>
+      </p:sp>
+      <p:sp>
+        <p:nvSpPr>
+          <p:cNvPr id="5" name="Footer Placeholder 4"/>
+          <p:cNvSpPr>
+            <a:spLocks noGrp="1"/>
+          </p:cNvSpPr>
+          <p:nvPr>
+            <p:ph type="ftr" sz="quarter" idx="11"/>
+          </p:nvPr>
+        </p:nvSpPr>
+        <p:spPr/>
+        <p:txBody>
+          <a:bodyPr/>
+          <a:lstStyle/>
+          <a:p>
+            <a:r>
+              <a:rPr lang="en-GB" smtClean="0"/>
+              <a:t>The Mean Squares</a:t>
+            </a:r>
+            <a:endParaRPr lang="en-GB"/>
+          </a:p>
+        </p:txBody>
+      </p:sp>
+      <p:sp>
+        <p:nvSpPr>
+          <p:cNvPr id="6" name="Slide Number Placeholder 5"/>
+          <p:cNvSpPr>
+            <a:spLocks noGrp="1"/>
+          </p:cNvSpPr>
+          <p:nvPr>
+            <p:ph type="sldNum" sz="quarter" idx="12"/>
+          </p:nvPr>
+        </p:nvSpPr>
+        <p:spPr/>
+        <p:txBody>
+          <a:bodyPr/>
+          <a:lstStyle/>
+          <a:p>
+            <a:fld id="{729B7826-D7EA-4ED7-AA55-2B2049A0AAD1}" type="slidenum">
+              <a:rPr lang="en-GB" smtClean="0"/>
+              <a:t>11</a:t>
+            </a:fld>
+            <a:endParaRPr lang="en-GB"/>
+          </a:p>
+        </p:txBody>
+      </p:sp>
+      <p:sp>
+        <p:nvSpPr>
+          <p:cNvPr id="10" name="TextBox 9"/>
+          <p:cNvSpPr txBox="1"/>
+          <p:nvPr/>
+        </p:nvSpPr>
+        <p:spPr>
+          <a:xfrm>
+            <a:off x="417091" y="5573900"/>
+            <a:ext cx="5447260" cy="369332"/>
+          </a:xfrm>
+          <a:prstGeom prst="rect">
+            <a:avLst/>
+          </a:prstGeom>
+          <a:noFill/>
+        </p:spPr>
+        <p:txBody>
+          <a:bodyPr wrap="none" rtlCol="0">
+            <a:spAutoFit/>
+          </a:bodyPr>
+          <a:lstStyle/>
+          <a:p>
+            <a:r>
+              <a:rPr lang="en-GB" dirty="0" smtClean="0"/>
+              <a:t>Overview over all connected sensor with last interaction</a:t>
+            </a:r>
+            <a:endParaRPr lang="en-US" dirty="0"/>
+          </a:p>
+        </p:txBody>
+      </p:sp>
+      <p:sp>
+        <p:nvSpPr>
+          <p:cNvPr id="11" name="TextBox 10"/>
+          <p:cNvSpPr txBox="1"/>
+          <p:nvPr/>
+        </p:nvSpPr>
+        <p:spPr>
+          <a:xfrm>
+            <a:off x="6648466" y="5247877"/>
+            <a:ext cx="4949240" cy="369332"/>
+          </a:xfrm>
+          <a:prstGeom prst="rect">
+            <a:avLst/>
+          </a:prstGeom>
+          <a:noFill/>
+        </p:spPr>
+        <p:txBody>
+          <a:bodyPr wrap="none" rtlCol="0">
+            <a:spAutoFit/>
+          </a:bodyPr>
+          <a:lstStyle/>
+          <a:p>
+            <a:r>
+              <a:rPr lang="en-GB" dirty="0" smtClean="0"/>
+              <a:t>The measurement data for each sensor given an ID</a:t>
+            </a:r>
+            <a:endParaRPr lang="en-US" dirty="0"/>
+          </a:p>
+        </p:txBody>
+      </p:sp>
+      <p:pic>
+        <p:nvPicPr>
+          <p:cNvPr id="12" name="Picture 11"/>
+          <p:cNvPicPr>
+            <a:picLocks noChangeAspect="1"/>
+          </p:cNvPicPr>
+          <p:nvPr/>
+        </p:nvPicPr>
+        <p:blipFill>
+          <a:blip r:embed="rId3"/>
+          <a:stretch>
+            <a:fillRect/>
+          </a:stretch>
+        </p:blipFill>
+        <p:spPr>
+          <a:xfrm>
+            <a:off x="6347299" y="646176"/>
+            <a:ext cx="5551574" cy="4505316"/>
+          </a:xfrm>
+          <a:prstGeom prst="rect">
+            <a:avLst/>
+          </a:prstGeom>
+        </p:spPr>
+      </p:pic>
+    </p:spTree>
+    <p:extLst>
+      <p:ext uri="{BB962C8B-B14F-4D97-AF65-F5344CB8AC3E}">
+        <p14:creationId xmlns:p14="http://schemas.microsoft.com/office/powerpoint/2010/main" val="1724790577"/>
+      </p:ext>
+    </p:extLst>
+  </p:cSld>
+  <p:clrMapOvr>
+    <a:masterClrMapping/>
+  </p:clrMapOvr>
+</p:sld>
+</file>
+
+<file path=ppt/slides/slide12.xml><?xml version="1.0" encoding="utf-8"?>
+<p:sld xmlns:a="http://schemas.openxmlformats.org/drawingml/2006/main" xmlns:r="http://schemas.openxmlformats.org/officeDocument/2006/relationships" xmlns:p="http://schemas.openxmlformats.org/presentationml/2006/main">
+  <p:cSld>
+    <p:spTree>
+      <p:nvGrpSpPr>
+        <p:cNvPr id="1" name=""/>
+        <p:cNvGrpSpPr/>
+        <p:nvPr/>
+      </p:nvGrpSpPr>
+      <p:grpSpPr>
+        <a:xfrm>
+          <a:off x="0" y="0"/>
+          <a:ext cx="0" cy="0"/>
+          <a:chOff x="0" y="0"/>
+          <a:chExt cx="0" cy="0"/>
+        </a:xfrm>
+      </p:grpSpPr>
+      <p:sp>
+        <p:nvSpPr>
+          <p:cNvPr id="2" name="Title 1"/>
+          <p:cNvSpPr>
+            <a:spLocks noGrp="1"/>
+          </p:cNvSpPr>
+          <p:nvPr>
+            <p:ph type="title"/>
+          </p:nvPr>
+        </p:nvSpPr>
+        <p:spPr/>
+        <p:txBody>
+          <a:bodyPr/>
+          <a:lstStyle/>
+          <a:p>
+            <a:r>
+              <a:rPr lang="en-GB" dirty="0" smtClean="0"/>
+              <a:t>The Actuator</a:t>
+            </a:r>
+            <a:endParaRPr lang="en-US" dirty="0"/>
+          </a:p>
+        </p:txBody>
+      </p:sp>
+      <p:sp>
+        <p:nvSpPr>
+          <p:cNvPr id="4" name="Date Placeholder 3"/>
+          <p:cNvSpPr>
+            <a:spLocks noGrp="1"/>
+          </p:cNvSpPr>
+          <p:nvPr>
+            <p:ph type="dt" sz="half" idx="10"/>
+          </p:nvPr>
+        </p:nvSpPr>
+        <p:spPr/>
+        <p:txBody>
+          <a:bodyPr/>
+          <a:lstStyle/>
+          <a:p>
+            <a:r>
+              <a:rPr lang="en-US" smtClean="0"/>
+              <a:t>ASUS Robotics &amp; AI Center Challenge</a:t>
+            </a:r>
+            <a:endParaRPr lang="en-GB"/>
+          </a:p>
+        </p:txBody>
+      </p:sp>
+      <p:sp>
+        <p:nvSpPr>
+          <p:cNvPr id="5" name="Footer Placeholder 4"/>
+          <p:cNvSpPr>
+            <a:spLocks noGrp="1"/>
+          </p:cNvSpPr>
+          <p:nvPr>
+            <p:ph type="ftr" sz="quarter" idx="11"/>
+          </p:nvPr>
+        </p:nvSpPr>
+        <p:spPr/>
+        <p:txBody>
+          <a:bodyPr/>
+          <a:lstStyle/>
+          <a:p>
+            <a:r>
+              <a:rPr lang="en-GB" smtClean="0"/>
+              <a:t>The Mean Squares</a:t>
+            </a:r>
+            <a:endParaRPr lang="en-GB"/>
+          </a:p>
+        </p:txBody>
+      </p:sp>
+      <p:sp>
+        <p:nvSpPr>
+          <p:cNvPr id="6" name="Slide Number Placeholder 5"/>
+          <p:cNvSpPr>
+            <a:spLocks noGrp="1"/>
+          </p:cNvSpPr>
+          <p:nvPr>
+            <p:ph type="sldNum" sz="quarter" idx="12"/>
+          </p:nvPr>
+        </p:nvSpPr>
+        <p:spPr/>
+        <p:txBody>
+          <a:bodyPr/>
+          <a:lstStyle/>
+          <a:p>
+            <a:fld id="{729B7826-D7EA-4ED7-AA55-2B2049A0AAD1}" type="slidenum">
+              <a:rPr lang="en-GB" smtClean="0"/>
+              <a:t>12</a:t>
+            </a:fld>
+            <a:endParaRPr lang="en-GB"/>
+          </a:p>
+        </p:txBody>
+      </p:sp>
+      <p:pic>
+        <p:nvPicPr>
+          <p:cNvPr id="7" name="Picture 6"/>
+          <p:cNvPicPr>
+            <a:picLocks noChangeAspect="1"/>
+          </p:cNvPicPr>
+          <p:nvPr/>
+        </p:nvPicPr>
+        <p:blipFill>
+          <a:blip r:embed="rId2"/>
+          <a:stretch>
+            <a:fillRect/>
+          </a:stretch>
+        </p:blipFill>
+        <p:spPr>
+          <a:xfrm>
+            <a:off x="309371" y="2190369"/>
+            <a:ext cx="5581437" cy="2442592"/>
+          </a:xfrm>
+          <a:prstGeom prst="rect">
+            <a:avLst/>
+          </a:prstGeom>
+        </p:spPr>
+      </p:pic>
+      <p:pic>
+        <p:nvPicPr>
+          <p:cNvPr id="8" name="Picture 7"/>
+          <p:cNvPicPr>
+            <a:picLocks noChangeAspect="1"/>
+          </p:cNvPicPr>
+          <p:nvPr/>
+        </p:nvPicPr>
+        <p:blipFill>
+          <a:blip r:embed="rId3"/>
+          <a:stretch>
+            <a:fillRect/>
+          </a:stretch>
+        </p:blipFill>
+        <p:spPr>
+          <a:xfrm>
+            <a:off x="6732270" y="889636"/>
+            <a:ext cx="5067300" cy="3743325"/>
+          </a:xfrm>
+          <a:prstGeom prst="rect">
+            <a:avLst/>
+          </a:prstGeom>
+        </p:spPr>
+      </p:pic>
+      <p:sp>
+        <p:nvSpPr>
+          <p:cNvPr id="9" name="TextBox 8"/>
+          <p:cNvSpPr txBox="1"/>
+          <p:nvPr/>
+        </p:nvSpPr>
+        <p:spPr>
+          <a:xfrm>
+            <a:off x="376459" y="4763310"/>
+            <a:ext cx="5557099" cy="369332"/>
+          </a:xfrm>
+          <a:prstGeom prst="rect">
+            <a:avLst/>
+          </a:prstGeom>
+          <a:noFill/>
+        </p:spPr>
+        <p:txBody>
+          <a:bodyPr wrap="none" rtlCol="0">
+            <a:spAutoFit/>
+          </a:bodyPr>
+          <a:lstStyle/>
+          <a:p>
+            <a:r>
+              <a:rPr lang="en-GB" dirty="0" smtClean="0"/>
+              <a:t>Overview over all connected actuators with assigned jobs</a:t>
+            </a:r>
+            <a:endParaRPr lang="en-US" dirty="0"/>
+          </a:p>
+        </p:txBody>
+      </p:sp>
+      <p:sp>
+        <p:nvSpPr>
+          <p:cNvPr id="10" name="TextBox 9"/>
+          <p:cNvSpPr txBox="1"/>
+          <p:nvPr/>
+        </p:nvSpPr>
+        <p:spPr>
+          <a:xfrm>
+            <a:off x="6790185" y="4735164"/>
+            <a:ext cx="5009385" cy="369332"/>
+          </a:xfrm>
+          <a:prstGeom prst="rect">
+            <a:avLst/>
+          </a:prstGeom>
+          <a:noFill/>
+        </p:spPr>
+        <p:txBody>
+          <a:bodyPr wrap="none" rtlCol="0">
+            <a:spAutoFit/>
+          </a:bodyPr>
+          <a:lstStyle/>
+          <a:p>
+            <a:r>
+              <a:rPr lang="en-GB" dirty="0" smtClean="0"/>
+              <a:t>The record of the latest state of each actuator by ID</a:t>
+            </a:r>
+            <a:endParaRPr lang="en-US" dirty="0"/>
+          </a:p>
+        </p:txBody>
+      </p:sp>
+    </p:spTree>
+    <p:extLst>
+      <p:ext uri="{BB962C8B-B14F-4D97-AF65-F5344CB8AC3E}">
+        <p14:creationId xmlns:p14="http://schemas.microsoft.com/office/powerpoint/2010/main" val="2210920754"/>
+      </p:ext>
+    </p:extLst>
+  </p:cSld>
+  <p:clrMapOvr>
+    <a:masterClrMapping/>
+  </p:clrMapOvr>
+</p:sld>
+</file>
+
+<file path=ppt/slides/slide13.xml><?xml version="1.0" encoding="utf-8"?>
+<p:sld xmlns:a="http://schemas.openxmlformats.org/drawingml/2006/main" xmlns:r="http://schemas.openxmlformats.org/officeDocument/2006/relationships" xmlns:p="http://schemas.openxmlformats.org/presentationml/2006/main">
+  <p:cSld>
+    <p:spTree>
+      <p:nvGrpSpPr>
+        <p:cNvPr id="1" name=""/>
+        <p:cNvGrpSpPr/>
+        <p:nvPr/>
+      </p:nvGrpSpPr>
+      <p:grpSpPr>
+        <a:xfrm>
+          <a:off x="0" y="0"/>
+          <a:ext cx="0" cy="0"/>
+          <a:chOff x="0" y="0"/>
+          <a:chExt cx="0" cy="0"/>
+        </a:xfrm>
+      </p:grpSpPr>
+      <p:sp>
+        <p:nvSpPr>
+          <p:cNvPr id="2" name="Title 1"/>
+          <p:cNvSpPr>
+            <a:spLocks noGrp="1"/>
+          </p:cNvSpPr>
+          <p:nvPr>
+            <p:ph type="title"/>
+          </p:nvPr>
+        </p:nvSpPr>
+        <p:spPr/>
+        <p:txBody>
+          <a:bodyPr/>
+          <a:lstStyle/>
+          <a:p>
+            <a:r>
+              <a:rPr lang="en-GB" dirty="0" smtClean="0"/>
+              <a:t>The Rules</a:t>
+            </a:r>
+            <a:endParaRPr lang="en-US" dirty="0"/>
+          </a:p>
+        </p:txBody>
+      </p:sp>
+      <p:sp>
+        <p:nvSpPr>
+          <p:cNvPr id="4" name="Date Placeholder 3"/>
+          <p:cNvSpPr>
+            <a:spLocks noGrp="1"/>
+          </p:cNvSpPr>
+          <p:nvPr>
+            <p:ph type="dt" sz="half" idx="10"/>
+          </p:nvPr>
+        </p:nvSpPr>
+        <p:spPr/>
+        <p:txBody>
+          <a:bodyPr/>
+          <a:lstStyle/>
+          <a:p>
+            <a:r>
+              <a:rPr lang="en-US" smtClean="0"/>
+              <a:t>ASUS Robotics &amp; AI Center Challenge</a:t>
+            </a:r>
+            <a:endParaRPr lang="en-GB"/>
+          </a:p>
+        </p:txBody>
+      </p:sp>
+      <p:sp>
+        <p:nvSpPr>
+          <p:cNvPr id="5" name="Footer Placeholder 4"/>
+          <p:cNvSpPr>
+            <a:spLocks noGrp="1"/>
+          </p:cNvSpPr>
+          <p:nvPr>
+            <p:ph type="ftr" sz="quarter" idx="11"/>
+          </p:nvPr>
+        </p:nvSpPr>
+        <p:spPr/>
+        <p:txBody>
+          <a:bodyPr/>
+          <a:lstStyle/>
+          <a:p>
+            <a:r>
+              <a:rPr lang="en-GB" smtClean="0"/>
+              <a:t>The Mean Squares</a:t>
+            </a:r>
+            <a:endParaRPr lang="en-GB"/>
+          </a:p>
+        </p:txBody>
+      </p:sp>
+      <p:sp>
+        <p:nvSpPr>
+          <p:cNvPr id="6" name="Slide Number Placeholder 5"/>
+          <p:cNvSpPr>
+            <a:spLocks noGrp="1"/>
+          </p:cNvSpPr>
+          <p:nvPr>
+            <p:ph type="sldNum" sz="quarter" idx="12"/>
+          </p:nvPr>
+        </p:nvSpPr>
+        <p:spPr/>
+        <p:txBody>
+          <a:bodyPr/>
+          <a:lstStyle/>
+          <a:p>
+            <a:fld id="{729B7826-D7EA-4ED7-AA55-2B2049A0AAD1}" type="slidenum">
+              <a:rPr lang="en-GB" smtClean="0"/>
+              <a:t>13</a:t>
+            </a:fld>
+            <a:endParaRPr lang="en-GB"/>
+          </a:p>
+        </p:txBody>
+      </p:sp>
+      <p:pic>
+        <p:nvPicPr>
+          <p:cNvPr id="7" name="Picture 6"/>
+          <p:cNvPicPr>
+            <a:picLocks noChangeAspect="1"/>
+          </p:cNvPicPr>
+          <p:nvPr/>
+        </p:nvPicPr>
+        <p:blipFill>
+          <a:blip r:embed="rId2"/>
+          <a:stretch>
+            <a:fillRect/>
+          </a:stretch>
+        </p:blipFill>
+        <p:spPr>
+          <a:xfrm>
+            <a:off x="243839" y="1558058"/>
+            <a:ext cx="11707717" cy="1148566"/>
+          </a:xfrm>
+          <a:prstGeom prst="rect">
+            <a:avLst/>
+          </a:prstGeom>
+        </p:spPr>
+      </p:pic>
+      <p:sp>
+        <p:nvSpPr>
+          <p:cNvPr id="8" name="TextBox 7"/>
+          <p:cNvSpPr txBox="1"/>
+          <p:nvPr/>
+        </p:nvSpPr>
+        <p:spPr>
+          <a:xfrm>
+            <a:off x="364267" y="2706624"/>
+            <a:ext cx="10669493" cy="646331"/>
+          </a:xfrm>
+          <a:prstGeom prst="rect">
+            <a:avLst/>
+          </a:prstGeom>
+          <a:noFill/>
+        </p:spPr>
+        <p:txBody>
+          <a:bodyPr wrap="square" rtlCol="0">
+            <a:spAutoFit/>
+          </a:bodyPr>
+          <a:lstStyle/>
+          <a:p>
+            <a:r>
+              <a:rPr lang="en-GB" dirty="0" smtClean="0"/>
+              <a:t>Overview over all assigned rules with the relevant actuator and sensor IDs. Furthermore the type of sensor and rule is shown.</a:t>
+            </a:r>
+            <a:endParaRPr lang="en-US" dirty="0"/>
+          </a:p>
+        </p:txBody>
+      </p:sp>
+      <p:pic>
+        <p:nvPicPr>
+          <p:cNvPr id="9" name="Picture 8"/>
+          <p:cNvPicPr>
+            <a:picLocks noChangeAspect="1"/>
+          </p:cNvPicPr>
+          <p:nvPr/>
+        </p:nvPicPr>
+        <p:blipFill>
+          <a:blip r:embed="rId3"/>
+          <a:stretch>
+            <a:fillRect/>
+          </a:stretch>
+        </p:blipFill>
+        <p:spPr>
+          <a:xfrm>
+            <a:off x="243839" y="3474896"/>
+            <a:ext cx="8667750" cy="1466850"/>
+          </a:xfrm>
+          <a:prstGeom prst="rect">
+            <a:avLst/>
+          </a:prstGeom>
+        </p:spPr>
+      </p:pic>
+      <p:sp>
+        <p:nvSpPr>
+          <p:cNvPr id="10" name="TextBox 9"/>
+          <p:cNvSpPr txBox="1"/>
+          <p:nvPr/>
+        </p:nvSpPr>
+        <p:spPr>
+          <a:xfrm>
+            <a:off x="364267" y="5063687"/>
+            <a:ext cx="10669493" cy="646331"/>
+          </a:xfrm>
+          <a:prstGeom prst="rect">
+            <a:avLst/>
+          </a:prstGeom>
+          <a:noFill/>
+        </p:spPr>
+        <p:txBody>
+          <a:bodyPr wrap="square" rtlCol="0">
+            <a:spAutoFit/>
+          </a:bodyPr>
+          <a:lstStyle/>
+          <a:p>
+            <a:r>
+              <a:rPr lang="en-GB" dirty="0" smtClean="0"/>
+              <a:t>Interface to live add rules to the system. All available sensors and actuators can be selected and a variety of conditions can be applied.</a:t>
+            </a:r>
+            <a:endParaRPr lang="en-US" dirty="0"/>
+          </a:p>
+        </p:txBody>
+      </p:sp>
+    </p:spTree>
+    <p:extLst>
+      <p:ext uri="{BB962C8B-B14F-4D97-AF65-F5344CB8AC3E}">
+        <p14:creationId xmlns:p14="http://schemas.microsoft.com/office/powerpoint/2010/main" val="1813244292"/>
+      </p:ext>
+    </p:extLst>
+  </p:cSld>
+  <p:clrMapOvr>
+    <a:masterClrMapping/>
+  </p:clrMapOvr>
+</p:sld>
+</file>
+
+<file path=ppt/slides/slide14.xml><?xml version="1.0" encoding="utf-8"?>
+<p:sld xmlns:a="http://schemas.openxmlformats.org/drawingml/2006/main" xmlns:r="http://schemas.openxmlformats.org/officeDocument/2006/relationships" xmlns:p="http://schemas.openxmlformats.org/presentationml/2006/main">
+  <p:cSld>
+    <p:spTree>
+      <p:nvGrpSpPr>
+        <p:cNvPr id="1" name=""/>
+        <p:cNvGrpSpPr/>
+        <p:nvPr/>
+      </p:nvGrpSpPr>
+      <p:grpSpPr>
+        <a:xfrm>
+          <a:off x="0" y="0"/>
+          <a:ext cx="0" cy="0"/>
+          <a:chOff x="0" y="0"/>
+          <a:chExt cx="0" cy="0"/>
+        </a:xfrm>
+      </p:grpSpPr>
+      <p:sp>
+        <p:nvSpPr>
           <p:cNvPr id="2" name="Titel 1">
             <a:extLst>
               <a:ext uri="{FF2B5EF4-FFF2-40B4-BE49-F238E27FC236}">
@@ -4364,7 +5267,7 @@
           <a:p>
             <a:fld id="{729B7826-D7EA-4ED7-AA55-2B2049A0AAD1}" type="slidenum">
               <a:rPr lang="en-GB" smtClean="0"/>
-              <a:t>10</a:t>
+              <a:t>14</a:t>
             </a:fld>
             <a:endParaRPr lang="en-GB"/>
           </a:p>
@@ -4716,6 +5619,10 @@
             <a:r>
               <a:rPr lang="de-DE" dirty="0" err="1"/>
               <a:t>Overview</a:t>
+            </a:r>
+            <a:r>
+              <a:rPr lang="de-DE" dirty="0"/>
+              <a:t/>
             </a:r>
             <a:br>
               <a:rPr lang="de-DE" dirty="0"/>
@@ -5693,13 +6600,13 @@
           <p:nvPr/>
         </p:nvPicPr>
         <p:blipFill>
-          <a:blip r:embed="rId2">
+          <a:blip r:embed="rId2" cstate="hqprint">
             <a:extLst>
               <a:ext uri="{28A0092B-C50C-407E-A947-70E740481C1C}">
                 <a14:useLocalDpi xmlns:a14="http://schemas.microsoft.com/office/drawing/2010/main" val="0"/>
               </a:ext>
               <a:ext uri="{96DAC541-7B7A-43D3-8B79-37D633B846F1}">
-                <asvg:svgBlip xmlns:asvg="http://schemas.microsoft.com/office/drawing/2016/SVG/main" r:embed="rId3"/>
+                <asvg:svgBlip xmlns:asvg="http://schemas.microsoft.com/office/drawing/2016/SVG/main" xmlns="" r:embed="rId3"/>
               </a:ext>
             </a:extLst>
           </a:blip>
@@ -5732,13 +6639,13 @@
           <p:nvPr/>
         </p:nvPicPr>
         <p:blipFill>
-          <a:blip r:embed="rId4">
+          <a:blip r:embed="rId4" cstate="hqprint">
             <a:extLst>
               <a:ext uri="{28A0092B-C50C-407E-A947-70E740481C1C}">
                 <a14:useLocalDpi xmlns:a14="http://schemas.microsoft.com/office/drawing/2010/main" val="0"/>
               </a:ext>
               <a:ext uri="{96DAC541-7B7A-43D3-8B79-37D633B846F1}">
-                <asvg:svgBlip xmlns:asvg="http://schemas.microsoft.com/office/drawing/2016/SVG/main" r:embed="rId5"/>
+                <asvg:svgBlip xmlns:asvg="http://schemas.microsoft.com/office/drawing/2016/SVG/main" xmlns="" r:embed="rId5"/>
               </a:ext>
             </a:extLst>
           </a:blip>
@@ -5771,13 +6678,13 @@
           <p:nvPr/>
         </p:nvPicPr>
         <p:blipFill>
-          <a:blip r:embed="rId6">
+          <a:blip r:embed="rId6" cstate="hqprint">
             <a:extLst>
               <a:ext uri="{28A0092B-C50C-407E-A947-70E740481C1C}">
                 <a14:useLocalDpi xmlns:a14="http://schemas.microsoft.com/office/drawing/2010/main" val="0"/>
               </a:ext>
               <a:ext uri="{96DAC541-7B7A-43D3-8B79-37D633B846F1}">
-                <asvg:svgBlip xmlns:asvg="http://schemas.microsoft.com/office/drawing/2016/SVG/main" r:embed="rId7"/>
+                <asvg:svgBlip xmlns:asvg="http://schemas.microsoft.com/office/drawing/2016/SVG/main" xmlns="" r:embed="rId7"/>
               </a:ext>
             </a:extLst>
           </a:blip>
@@ -5810,13 +6717,13 @@
           <p:nvPr/>
         </p:nvPicPr>
         <p:blipFill>
-          <a:blip r:embed="rId8">
+          <a:blip r:embed="rId8" cstate="hqprint">
             <a:extLst>
               <a:ext uri="{28A0092B-C50C-407E-A947-70E740481C1C}">
                 <a14:useLocalDpi xmlns:a14="http://schemas.microsoft.com/office/drawing/2010/main" val="0"/>
               </a:ext>
               <a:ext uri="{96DAC541-7B7A-43D3-8B79-37D633B846F1}">
-                <asvg:svgBlip xmlns:asvg="http://schemas.microsoft.com/office/drawing/2016/SVG/main" r:embed="rId9"/>
+                <asvg:svgBlip xmlns:asvg="http://schemas.microsoft.com/office/drawing/2016/SVG/main" xmlns="" r:embed="rId9"/>
               </a:ext>
             </a:extLst>
           </a:blip>
@@ -5895,6 +6802,10 @@
               <a:rPr lang="de-DE" dirty="0" err="1"/>
               <a:t>engine</a:t>
             </a:r>
+            <a:r>
+              <a:rPr lang="de-DE" dirty="0"/>
+              <a:t/>
+            </a:r>
             <a:br>
               <a:rPr lang="de-DE" dirty="0"/>
             </a:br>
@@ -6741,7 +7652,7 @@
                 <a14:useLocalDpi xmlns:a14="http://schemas.microsoft.com/office/drawing/2010/main" val="0"/>
               </a:ext>
               <a:ext uri="{96DAC541-7B7A-43D3-8B79-37D633B846F1}">
-                <asvg:svgBlip xmlns:asvg="http://schemas.microsoft.com/office/drawing/2016/SVG/main" r:embed="rId3"/>
+                <asvg:svgBlip xmlns:asvg="http://schemas.microsoft.com/office/drawing/2016/SVG/main" xmlns="" r:embed="rId3"/>
               </a:ext>
             </a:extLst>
           </a:blip>
@@ -7160,7 +8071,7 @@
                 <a14:useLocalDpi xmlns:a14="http://schemas.microsoft.com/office/drawing/2010/main" val="0"/>
               </a:ext>
               <a:ext uri="{96DAC541-7B7A-43D3-8B79-37D633B846F1}">
-                <asvg:svgBlip xmlns:asvg="http://schemas.microsoft.com/office/drawing/2016/SVG/main" r:embed="rId3"/>
+                <asvg:svgBlip xmlns:asvg="http://schemas.microsoft.com/office/drawing/2016/SVG/main" xmlns="" r:embed="rId3"/>
               </a:ext>
             </a:extLst>
           </a:blip>
@@ -7800,7 +8711,7 @@
                 <a14:useLocalDpi xmlns:a14="http://schemas.microsoft.com/office/drawing/2010/main" val="0"/>
               </a:ext>
               <a:ext uri="{96DAC541-7B7A-43D3-8B79-37D633B846F1}">
-                <asvg:svgBlip xmlns:asvg="http://schemas.microsoft.com/office/drawing/2016/SVG/main" r:embed="rId3"/>
+                <asvg:svgBlip xmlns:asvg="http://schemas.microsoft.com/office/drawing/2016/SVG/main" xmlns="" r:embed="rId3"/>
               </a:ext>
             </a:extLst>
           </a:blip>
@@ -7833,13 +8744,13 @@
           <p:nvPr/>
         </p:nvPicPr>
         <p:blipFill>
-          <a:blip r:embed="rId4">
+          <a:blip r:embed="rId4" cstate="hqprint">
             <a:extLst>
               <a:ext uri="{28A0092B-C50C-407E-A947-70E740481C1C}">
                 <a14:useLocalDpi xmlns:a14="http://schemas.microsoft.com/office/drawing/2010/main" val="0"/>
               </a:ext>
               <a:ext uri="{96DAC541-7B7A-43D3-8B79-37D633B846F1}">
-                <asvg:svgBlip xmlns:asvg="http://schemas.microsoft.com/office/drawing/2016/SVG/main" r:embed="rId5"/>
+                <asvg:svgBlip xmlns:asvg="http://schemas.microsoft.com/office/drawing/2016/SVG/main" xmlns="" r:embed="rId5"/>
               </a:ext>
             </a:extLst>
           </a:blip>
@@ -7923,6 +8834,10 @@
               <a:rPr lang="de-DE" dirty="0" err="1"/>
               <a:t>Actuators</a:t>
             </a:r>
+            <a:r>
+              <a:rPr lang="de-DE" sz="2800" dirty="0"/>
+              <a:t/>
+            </a:r>
             <a:br>
               <a:rPr lang="de-DE" sz="2800" dirty="0"/>
             </a:br>
@@ -8364,13 +9279,13 @@
           <p:nvPr/>
         </p:nvPicPr>
         <p:blipFill>
-          <a:blip r:embed="rId2">
+          <a:blip r:embed="rId2" cstate="hqprint">
             <a:extLst>
               <a:ext uri="{28A0092B-C50C-407E-A947-70E740481C1C}">
                 <a14:useLocalDpi xmlns:a14="http://schemas.microsoft.com/office/drawing/2010/main" val="0"/>
               </a:ext>
               <a:ext uri="{96DAC541-7B7A-43D3-8B79-37D633B846F1}">
-                <asvg:svgBlip xmlns:asvg="http://schemas.microsoft.com/office/drawing/2016/SVG/main" r:embed="rId3"/>
+                <asvg:svgBlip xmlns:asvg="http://schemas.microsoft.com/office/drawing/2016/SVG/main" xmlns="" r:embed="rId3"/>
               </a:ext>
             </a:extLst>
           </a:blip>
@@ -8962,7 +9877,7 @@
                 <a14:useLocalDpi xmlns:a14="http://schemas.microsoft.com/office/drawing/2010/main" val="0"/>
               </a:ext>
               <a:ext uri="{96DAC541-7B7A-43D3-8B79-37D633B846F1}">
-                <asvg:svgBlip xmlns:asvg="http://schemas.microsoft.com/office/drawing/2016/SVG/main" r:embed="rId3"/>
+                <asvg:svgBlip xmlns:asvg="http://schemas.microsoft.com/office/drawing/2016/SVG/main" xmlns="" r:embed="rId3"/>
               </a:ext>
             </a:extLst>
           </a:blip>

--- a/Documents/TheMeanSquares_ASUSChallenge.pptx
+++ b/Documents/TheMeanSquares_ASUSChallenge.pptx
@@ -306,7 +306,7 @@
           <a:p>
             <a:fld id="{3D9E2604-748C-402D-98BA-E22ABA5BF11B}" type="slidenum">
               <a:rPr lang="en-GB" smtClean="0"/>
-              <a:t>‹#›</a:t>
+              <a:t>‹Nr.›</a:t>
             </a:fld>
             <a:endParaRPr lang="en-GB"/>
           </a:p>
@@ -568,7 +568,7 @@
           <a:p>
             <a:fld id="{0B446848-A873-4A70-897D-4998CE131F30}" type="slidenum">
               <a:rPr lang="en-GB" smtClean="0"/>
-              <a:t>‹#›</a:t>
+              <a:t>‹Nr.›</a:t>
             </a:fld>
             <a:endParaRPr lang="en-GB"/>
           </a:p>
@@ -884,7 +884,7 @@
           <a:p>
             <a:fld id="{729B7826-D7EA-4ED7-AA55-2B2049A0AAD1}" type="slidenum">
               <a:rPr lang="en-GB" smtClean="0"/>
-              <a:t>‹#›</a:t>
+              <a:t>‹Nr.›</a:t>
             </a:fld>
             <a:endParaRPr lang="en-GB"/>
           </a:p>
@@ -1087,7 +1087,7 @@
           <a:p>
             <a:fld id="{729B7826-D7EA-4ED7-AA55-2B2049A0AAD1}" type="slidenum">
               <a:rPr lang="en-GB" smtClean="0"/>
-              <a:t>‹#›</a:t>
+              <a:t>‹Nr.›</a:t>
             </a:fld>
             <a:endParaRPr lang="en-GB"/>
           </a:p>
@@ -1300,7 +1300,7 @@
           <a:p>
             <a:fld id="{729B7826-D7EA-4ED7-AA55-2B2049A0AAD1}" type="slidenum">
               <a:rPr lang="en-GB" smtClean="0"/>
-              <a:t>‹#›</a:t>
+              <a:t>‹Nr.›</a:t>
             </a:fld>
             <a:endParaRPr lang="en-GB"/>
           </a:p>
@@ -1503,7 +1503,7 @@
           <a:p>
             <a:fld id="{729B7826-D7EA-4ED7-AA55-2B2049A0AAD1}" type="slidenum">
               <a:rPr lang="en-GB" smtClean="0"/>
-              <a:t>‹#›</a:t>
+              <a:t>‹Nr.›</a:t>
             </a:fld>
             <a:endParaRPr lang="en-GB"/>
           </a:p>
@@ -1782,7 +1782,7 @@
           <a:p>
             <a:fld id="{729B7826-D7EA-4ED7-AA55-2B2049A0AAD1}" type="slidenum">
               <a:rPr lang="en-GB" smtClean="0"/>
-              <a:t>‹#›</a:t>
+              <a:t>‹Nr.›</a:t>
             </a:fld>
             <a:endParaRPr lang="en-GB"/>
           </a:p>
@@ -2053,7 +2053,7 @@
           <a:p>
             <a:fld id="{729B7826-D7EA-4ED7-AA55-2B2049A0AAD1}" type="slidenum">
               <a:rPr lang="en-GB" smtClean="0"/>
-              <a:t>‹#›</a:t>
+              <a:t>‹Nr.›</a:t>
             </a:fld>
             <a:endParaRPr lang="en-GB"/>
           </a:p>
@@ -2471,7 +2471,7 @@
           <a:p>
             <a:fld id="{729B7826-D7EA-4ED7-AA55-2B2049A0AAD1}" type="slidenum">
               <a:rPr lang="en-GB" smtClean="0"/>
-              <a:t>‹#›</a:t>
+              <a:t>‹Nr.›</a:t>
             </a:fld>
             <a:endParaRPr lang="en-GB"/>
           </a:p>
@@ -2616,7 +2616,7 @@
           <a:p>
             <a:fld id="{729B7826-D7EA-4ED7-AA55-2B2049A0AAD1}" type="slidenum">
               <a:rPr lang="en-GB" smtClean="0"/>
-              <a:t>‹#›</a:t>
+              <a:t>‹Nr.›</a:t>
             </a:fld>
             <a:endParaRPr lang="en-GB"/>
           </a:p>
@@ -2732,7 +2732,7 @@
           <a:p>
             <a:fld id="{729B7826-D7EA-4ED7-AA55-2B2049A0AAD1}" type="slidenum">
               <a:rPr lang="en-GB" smtClean="0"/>
-              <a:t>‹#›</a:t>
+              <a:t>‹Nr.›</a:t>
             </a:fld>
             <a:endParaRPr lang="en-GB"/>
           </a:p>
@@ -3048,7 +3048,7 @@
           <a:p>
             <a:fld id="{729B7826-D7EA-4ED7-AA55-2B2049A0AAD1}" type="slidenum">
               <a:rPr lang="en-GB" smtClean="0"/>
-              <a:t>‹#›</a:t>
+              <a:t>‹Nr.›</a:t>
             </a:fld>
             <a:endParaRPr lang="en-GB"/>
           </a:p>
@@ -3340,7 +3340,7 @@
           <a:p>
             <a:fld id="{729B7826-D7EA-4ED7-AA55-2B2049A0AAD1}" type="slidenum">
               <a:rPr lang="en-GB" smtClean="0"/>
-              <a:t>‹#›</a:t>
+              <a:t>‹Nr.›</a:t>
             </a:fld>
             <a:endParaRPr lang="en-GB"/>
           </a:p>
@@ -4024,7 +4024,7 @@
             </a:r>
             <a:r>
               <a:rPr lang="de-DE" dirty="0" err="1"/>
-              <a:t>Hackville</a:t>
+              <a:t>Hackwil</a:t>
             </a:r>
             <a:endParaRPr lang="en-GB" dirty="0"/>
           </a:p>
@@ -4162,11 +4162,11 @@
           <a:lstStyle/>
           <a:p>
             <a:r>
-              <a:rPr lang="en-GB" dirty="0" smtClean="0"/>
+              <a:rPr lang="en-GB" dirty="0"/>
               <a:t>The </a:t>
             </a:r>
             <a:r>
-              <a:rPr lang="en-GB" dirty="0" err="1" smtClean="0"/>
+              <a:rPr lang="en-GB" dirty="0" err="1"/>
               <a:t>Webinterface</a:t>
             </a:r>
             <a:endParaRPr lang="en-US" dirty="0"/>
@@ -4189,7 +4189,7 @@
           <a:lstStyle/>
           <a:p>
             <a:r>
-              <a:rPr lang="en-US" smtClean="0"/>
+              <a:rPr lang="en-US"/>
               <a:t>ASUS Robotics &amp; AI Center Challenge</a:t>
             </a:r>
             <a:endParaRPr lang="en-GB"/>
@@ -4212,10 +4212,9 @@
           <a:lstStyle/>
           <a:p>
             <a:r>
-              <a:rPr lang="en-GB" smtClean="0"/>
+              <a:rPr lang="en-GB"/>
               <a:t>The Mean Squares</a:t>
             </a:r>
-            <a:endParaRPr lang="en-GB"/>
           </a:p>
         </p:txBody>
       </p:sp>
@@ -4296,29 +4295,59 @@
               <a:buNone/>
             </a:pPr>
             <a:r>
-              <a:rPr lang="en-GB" dirty="0" smtClean="0"/>
+              <a:rPr lang="en-GB" dirty="0"/>
               <a:t>With our interactive </a:t>
             </a:r>
             <a:r>
-              <a:rPr lang="en-GB" dirty="0" err="1" smtClean="0"/>
+              <a:rPr lang="en-GB" dirty="0" err="1"/>
               <a:t>webinterface</a:t>
             </a:r>
             <a:r>
-              <a:rPr lang="en-GB" dirty="0" smtClean="0"/>
-              <a:t> the state of our </a:t>
-            </a:r>
-            <a:r>
-              <a:rPr lang="en-GB" dirty="0" err="1" smtClean="0"/>
-              <a:t>IoT</a:t>
-            </a:r>
-            <a:r>
-              <a:rPr lang="en-GB" dirty="0" smtClean="0"/>
-              <a:t> system can monitored. New Rules for interaction between actuators and sensors can be added on the fly</a:t>
-            </a:r>
-            <a:endParaRPr lang="en-GB" dirty="0"/>
-          </a:p>
-        </p:txBody>
-      </p:sp>
+              <a:rPr lang="en-GB" dirty="0"/>
+              <a:t> the state of our IoT system can be monitored. New Rules for interaction between actuators and sensors can be added on the fly.</a:t>
+            </a:r>
+          </a:p>
+        </p:txBody>
+      </p:sp>
+      <p:pic>
+        <p:nvPicPr>
+          <p:cNvPr id="9" name="Grafik 8" descr="Internet">
+            <a:extLst>
+              <a:ext uri="{FF2B5EF4-FFF2-40B4-BE49-F238E27FC236}">
+                <a16:creationId xmlns:a16="http://schemas.microsoft.com/office/drawing/2014/main" id="{BBEE65C9-46E0-49DE-AD74-50E633C703F4}"/>
+              </a:ext>
+            </a:extLst>
+          </p:cNvPr>
+          <p:cNvPicPr>
+            <a:picLocks noChangeAspect="1"/>
+          </p:cNvPicPr>
+          <p:nvPr/>
+        </p:nvPicPr>
+        <p:blipFill>
+          <a:blip r:embed="rId3">
+            <a:extLst>
+              <a:ext uri="{28A0092B-C50C-407E-A947-70E740481C1C}">
+                <a14:useLocalDpi xmlns:a14="http://schemas.microsoft.com/office/drawing/2010/main" val="0"/>
+              </a:ext>
+              <a:ext uri="{96DAC541-7B7A-43D3-8B79-37D633B846F1}">
+                <asvg:svgBlip xmlns:asvg="http://schemas.microsoft.com/office/drawing/2016/SVG/main" r:embed="rId4"/>
+              </a:ext>
+            </a:extLst>
+          </a:blip>
+          <a:stretch>
+            <a:fillRect/>
+          </a:stretch>
+        </p:blipFill>
+        <p:spPr>
+          <a:xfrm>
+            <a:off x="10970147" y="50801"/>
+            <a:ext cx="1108696" cy="1108696"/>
+          </a:xfrm>
+          <a:prstGeom prst="rect">
+            <a:avLst/>
+          </a:prstGeom>
+        </p:spPr>
+      </p:pic>
     </p:spTree>
     <p:extLst>
       <p:ext uri="{BB962C8B-B14F-4D97-AF65-F5344CB8AC3E}">
@@ -4349,6 +4378,45 @@
           <a:chExt cx="0" cy="0"/>
         </a:xfrm>
       </p:grpSpPr>
+      <p:pic>
+        <p:nvPicPr>
+          <p:cNvPr id="3" name="Grafik 2" descr="Messgerät">
+            <a:extLst>
+              <a:ext uri="{FF2B5EF4-FFF2-40B4-BE49-F238E27FC236}">
+                <a16:creationId xmlns:a16="http://schemas.microsoft.com/office/drawing/2014/main" id="{FC6A4A85-1936-47B9-8591-DCDD47168836}"/>
+              </a:ext>
+            </a:extLst>
+          </p:cNvPr>
+          <p:cNvPicPr>
+            <a:picLocks noChangeAspect="1"/>
+          </p:cNvPicPr>
+          <p:nvPr/>
+        </p:nvPicPr>
+        <p:blipFill>
+          <a:blip r:embed="rId2">
+            <a:extLst>
+              <a:ext uri="{28A0092B-C50C-407E-A947-70E740481C1C}">
+                <a14:useLocalDpi xmlns:a14="http://schemas.microsoft.com/office/drawing/2010/main" val="0"/>
+              </a:ext>
+              <a:ext uri="{96DAC541-7B7A-43D3-8B79-37D633B846F1}">
+                <asvg:svgBlip xmlns:asvg="http://schemas.microsoft.com/office/drawing/2016/SVG/main" r:embed="rId3"/>
+              </a:ext>
+            </a:extLst>
+          </a:blip>
+          <a:stretch>
+            <a:fillRect/>
+          </a:stretch>
+        </p:blipFill>
+        <p:spPr>
+          <a:xfrm>
+            <a:off x="10719242" y="72843"/>
+            <a:ext cx="1190349" cy="1190349"/>
+          </a:xfrm>
+          <a:prstGeom prst="rect">
+            <a:avLst/>
+          </a:prstGeom>
+        </p:spPr>
+      </p:pic>
       <p:sp>
         <p:nvSpPr>
           <p:cNvPr id="2" name="Title 1"/>
@@ -4366,11 +4434,7 @@
           <a:p>
             <a:r>
               <a:rPr lang="en-GB" dirty="0"/>
-              <a:t>The </a:t>
-            </a:r>
-            <a:r>
-              <a:rPr lang="en-GB" dirty="0" smtClean="0"/>
-              <a:t>Sensor</a:t>
+              <a:t>The Sensor</a:t>
             </a:r>
             <a:endParaRPr lang="en-US" dirty="0"/>
           </a:p>
@@ -4387,7 +4451,7 @@
           </p:nvPr>
         </p:nvPicPr>
         <p:blipFill>
-          <a:blip r:embed="rId2"/>
+          <a:blip r:embed="rId4"/>
           <a:stretch>
             <a:fillRect/>
           </a:stretch>
@@ -4418,7 +4482,7 @@
           <a:lstStyle/>
           <a:p>
             <a:r>
-              <a:rPr lang="en-US" smtClean="0"/>
+              <a:rPr lang="en-US"/>
               <a:t>ASUS Robotics &amp; AI Center Challenge</a:t>
             </a:r>
             <a:endParaRPr lang="en-GB"/>
@@ -4441,10 +4505,9 @@
           <a:lstStyle/>
           <a:p>
             <a:r>
-              <a:rPr lang="en-GB" smtClean="0"/>
+              <a:rPr lang="en-GB"/>
               <a:t>The Mean Squares</a:t>
             </a:r>
-            <a:endParaRPr lang="en-GB"/>
           </a:p>
         </p:txBody>
       </p:sp>
@@ -4494,7 +4557,7 @@
           <a:lstStyle/>
           <a:p>
             <a:r>
-              <a:rPr lang="en-GB" dirty="0" smtClean="0"/>
+              <a:rPr lang="en-GB" dirty="0"/>
               <a:t>Overview over all connected sensor with last interaction</a:t>
             </a:r>
             <a:endParaRPr lang="en-US" dirty="0"/>
@@ -4509,7 +4572,7 @@
         </p:nvSpPr>
         <p:spPr>
           <a:xfrm>
-            <a:off x="6648466" y="5247877"/>
+            <a:off x="6648466" y="5867803"/>
             <a:ext cx="4949240" cy="369332"/>
           </a:xfrm>
           <a:prstGeom prst="rect">
@@ -4524,7 +4587,7 @@
           <a:lstStyle/>
           <a:p>
             <a:r>
-              <a:rPr lang="en-GB" dirty="0" smtClean="0"/>
+              <a:rPr lang="en-GB" dirty="0"/>
               <a:t>The measurement data for each sensor given an ID</a:t>
             </a:r>
             <a:endParaRPr lang="en-US" dirty="0"/>
@@ -4540,14 +4603,14 @@
           <p:nvPr/>
         </p:nvPicPr>
         <p:blipFill>
-          <a:blip r:embed="rId3"/>
+          <a:blip r:embed="rId5"/>
           <a:stretch>
             <a:fillRect/>
           </a:stretch>
         </p:blipFill>
         <p:spPr>
           <a:xfrm>
-            <a:off x="6347299" y="646176"/>
+            <a:off x="6347299" y="1266102"/>
             <a:ext cx="5551574" cy="4505316"/>
           </a:xfrm>
           <a:prstGeom prst="rect">
@@ -4601,7 +4664,7 @@
           <a:lstStyle/>
           <a:p>
             <a:r>
-              <a:rPr lang="en-GB" dirty="0" smtClean="0"/>
+              <a:rPr lang="en-GB" dirty="0"/>
               <a:t>The Actuator</a:t>
             </a:r>
             <a:endParaRPr lang="en-US" dirty="0"/>
@@ -4624,7 +4687,7 @@
           <a:lstStyle/>
           <a:p>
             <a:r>
-              <a:rPr lang="en-US" smtClean="0"/>
+              <a:rPr lang="en-US"/>
               <a:t>ASUS Robotics &amp; AI Center Challenge</a:t>
             </a:r>
             <a:endParaRPr lang="en-GB"/>
@@ -4647,10 +4710,9 @@
           <a:lstStyle/>
           <a:p>
             <a:r>
-              <a:rPr lang="en-GB" smtClean="0"/>
+              <a:rPr lang="en-GB"/>
               <a:t>The Mean Squares</a:t>
             </a:r>
-            <a:endParaRPr lang="en-GB"/>
           </a:p>
         </p:txBody>
       </p:sp>
@@ -4717,7 +4779,7 @@
         </p:blipFill>
         <p:spPr>
           <a:xfrm>
-            <a:off x="6732270" y="889636"/>
+            <a:off x="6732270" y="1153587"/>
             <a:ext cx="5067300" cy="3743325"/>
           </a:xfrm>
           <a:prstGeom prst="rect">
@@ -4748,7 +4810,7 @@
           <a:lstStyle/>
           <a:p>
             <a:r>
-              <a:rPr lang="en-GB" dirty="0" smtClean="0"/>
+              <a:rPr lang="en-GB" dirty="0"/>
               <a:t>Overview over all connected actuators with assigned jobs</a:t>
             </a:r>
             <a:endParaRPr lang="en-US" dirty="0"/>
@@ -4763,7 +4825,7 @@
         </p:nvSpPr>
         <p:spPr>
           <a:xfrm>
-            <a:off x="6790185" y="4735164"/>
+            <a:off x="6790185" y="4999115"/>
             <a:ext cx="5009385" cy="369332"/>
           </a:xfrm>
           <a:prstGeom prst="rect">
@@ -4778,13 +4840,52 @@
           <a:lstStyle/>
           <a:p>
             <a:r>
-              <a:rPr lang="en-GB" dirty="0" smtClean="0"/>
+              <a:rPr lang="en-GB" dirty="0"/>
               <a:t>The record of the latest state of each actuator by ID</a:t>
             </a:r>
             <a:endParaRPr lang="en-US" dirty="0"/>
           </a:p>
         </p:txBody>
       </p:sp>
+      <p:pic>
+        <p:nvPicPr>
+          <p:cNvPr id="3" name="Grafik 2" descr="Roboterhand">
+            <a:extLst>
+              <a:ext uri="{FF2B5EF4-FFF2-40B4-BE49-F238E27FC236}">
+                <a16:creationId xmlns:a16="http://schemas.microsoft.com/office/drawing/2014/main" id="{8C21AA9C-69E1-4F9F-B979-636B044B0E25}"/>
+              </a:ext>
+            </a:extLst>
+          </p:cNvPr>
+          <p:cNvPicPr>
+            <a:picLocks noChangeAspect="1"/>
+          </p:cNvPicPr>
+          <p:nvPr/>
+        </p:nvPicPr>
+        <p:blipFill>
+          <a:blip r:embed="rId4" cstate="hqprint">
+            <a:extLst>
+              <a:ext uri="{28A0092B-C50C-407E-A947-70E740481C1C}">
+                <a14:useLocalDpi xmlns:a14="http://schemas.microsoft.com/office/drawing/2010/main" val="0"/>
+              </a:ext>
+              <a:ext uri="{96DAC541-7B7A-43D3-8B79-37D633B846F1}">
+                <asvg:svgBlip xmlns:asvg="http://schemas.microsoft.com/office/drawing/2016/SVG/main" r:embed="rId5"/>
+              </a:ext>
+            </a:extLst>
+          </a:blip>
+          <a:stretch>
+            <a:fillRect/>
+          </a:stretch>
+        </p:blipFill>
+        <p:spPr>
+          <a:xfrm>
+            <a:off x="11003797" y="67112"/>
+            <a:ext cx="1045466" cy="1045466"/>
+          </a:xfrm>
+          <a:prstGeom prst="rect">
+            <a:avLst/>
+          </a:prstGeom>
+        </p:spPr>
+      </p:pic>
     </p:spTree>
     <p:extLst>
       <p:ext uri="{BB962C8B-B14F-4D97-AF65-F5344CB8AC3E}">
@@ -4831,7 +4932,7 @@
           <a:lstStyle/>
           <a:p>
             <a:r>
-              <a:rPr lang="en-GB" dirty="0" smtClean="0"/>
+              <a:rPr lang="en-GB" dirty="0"/>
               <a:t>The Rules</a:t>
             </a:r>
             <a:endParaRPr lang="en-US" dirty="0"/>
@@ -4854,7 +4955,7 @@
           <a:lstStyle/>
           <a:p>
             <a:r>
-              <a:rPr lang="en-US" smtClean="0"/>
+              <a:rPr lang="en-US"/>
               <a:t>ASUS Robotics &amp; AI Center Challenge</a:t>
             </a:r>
             <a:endParaRPr lang="en-GB"/>
@@ -4877,10 +4978,9 @@
           <a:lstStyle/>
           <a:p>
             <a:r>
-              <a:rPr lang="en-GB" smtClean="0"/>
+              <a:rPr lang="en-GB"/>
               <a:t>The Mean Squares</a:t>
             </a:r>
-            <a:endParaRPr lang="en-GB"/>
           </a:p>
         </p:txBody>
       </p:sp>
@@ -4954,7 +5054,7 @@
           <a:lstStyle/>
           <a:p>
             <a:r>
-              <a:rPr lang="en-GB" dirty="0" smtClean="0"/>
+              <a:rPr lang="en-GB" dirty="0"/>
               <a:t>Overview over all assigned rules with the relevant actuator and sensor IDs. Furthermore the type of sensor and rule is shown.</a:t>
             </a:r>
             <a:endParaRPr lang="en-US" dirty="0"/>
@@ -5008,7 +5108,7 @@
           <a:lstStyle/>
           <a:p>
             <a:r>
-              <a:rPr lang="en-GB" dirty="0" smtClean="0"/>
+              <a:rPr lang="en-GB" dirty="0"/>
               <a:t>Interface to live add rules to the system. All available sensors and actuators can be selected and a variety of conditions can be applied.</a:t>
             </a:r>
             <a:endParaRPr lang="en-US" dirty="0"/>
@@ -5449,7 +5549,7 @@
             </a:r>
             <a:r>
               <a:rPr lang="en-GB" dirty="0" err="1"/>
-              <a:t>Hackville</a:t>
+              <a:t>Hackwil</a:t>
             </a:r>
             <a:r>
               <a:rPr lang="en-GB" dirty="0"/>
@@ -5619,10 +5719,6 @@
             <a:r>
               <a:rPr lang="de-DE" dirty="0" err="1"/>
               <a:t>Overview</a:t>
-            </a:r>
-            <a:r>
-              <a:rPr lang="de-DE" dirty="0"/>
-              <a:t/>
             </a:r>
             <a:br>
               <a:rPr lang="de-DE" dirty="0"/>
@@ -6606,7 +6702,7 @@
                 <a14:useLocalDpi xmlns:a14="http://schemas.microsoft.com/office/drawing/2010/main" val="0"/>
               </a:ext>
               <a:ext uri="{96DAC541-7B7A-43D3-8B79-37D633B846F1}">
-                <asvg:svgBlip xmlns:asvg="http://schemas.microsoft.com/office/drawing/2016/SVG/main" xmlns="" r:embed="rId3"/>
+                <asvg:svgBlip xmlns:asvg="http://schemas.microsoft.com/office/drawing/2016/SVG/main" r:embed="rId3"/>
               </a:ext>
             </a:extLst>
           </a:blip>
@@ -6645,7 +6741,7 @@
                 <a14:useLocalDpi xmlns:a14="http://schemas.microsoft.com/office/drawing/2010/main" val="0"/>
               </a:ext>
               <a:ext uri="{96DAC541-7B7A-43D3-8B79-37D633B846F1}">
-                <asvg:svgBlip xmlns:asvg="http://schemas.microsoft.com/office/drawing/2016/SVG/main" xmlns="" r:embed="rId5"/>
+                <asvg:svgBlip xmlns:asvg="http://schemas.microsoft.com/office/drawing/2016/SVG/main" r:embed="rId5"/>
               </a:ext>
             </a:extLst>
           </a:blip>
@@ -6684,7 +6780,7 @@
                 <a14:useLocalDpi xmlns:a14="http://schemas.microsoft.com/office/drawing/2010/main" val="0"/>
               </a:ext>
               <a:ext uri="{96DAC541-7B7A-43D3-8B79-37D633B846F1}">
-                <asvg:svgBlip xmlns:asvg="http://schemas.microsoft.com/office/drawing/2016/SVG/main" xmlns="" r:embed="rId7"/>
+                <asvg:svgBlip xmlns:asvg="http://schemas.microsoft.com/office/drawing/2016/SVG/main" r:embed="rId7"/>
               </a:ext>
             </a:extLst>
           </a:blip>
@@ -6723,7 +6819,7 @@
                 <a14:useLocalDpi xmlns:a14="http://schemas.microsoft.com/office/drawing/2010/main" val="0"/>
               </a:ext>
               <a:ext uri="{96DAC541-7B7A-43D3-8B79-37D633B846F1}">
-                <asvg:svgBlip xmlns:asvg="http://schemas.microsoft.com/office/drawing/2016/SVG/main" xmlns="" r:embed="rId9"/>
+                <asvg:svgBlip xmlns:asvg="http://schemas.microsoft.com/office/drawing/2016/SVG/main" r:embed="rId9"/>
               </a:ext>
             </a:extLst>
           </a:blip>
@@ -6802,10 +6898,6 @@
               <a:rPr lang="de-DE" dirty="0" err="1"/>
               <a:t>engine</a:t>
             </a:r>
-            <a:r>
-              <a:rPr lang="de-DE" dirty="0"/>
-              <a:t/>
-            </a:r>
             <a:br>
               <a:rPr lang="de-DE" dirty="0"/>
             </a:br>
@@ -7652,7 +7744,7 @@
                 <a14:useLocalDpi xmlns:a14="http://schemas.microsoft.com/office/drawing/2010/main" val="0"/>
               </a:ext>
               <a:ext uri="{96DAC541-7B7A-43D3-8B79-37D633B846F1}">
-                <asvg:svgBlip xmlns:asvg="http://schemas.microsoft.com/office/drawing/2016/SVG/main" xmlns="" r:embed="rId3"/>
+                <asvg:svgBlip xmlns:asvg="http://schemas.microsoft.com/office/drawing/2016/SVG/main" r:embed="rId3"/>
               </a:ext>
             </a:extLst>
           </a:blip>
@@ -8071,7 +8163,7 @@
                 <a14:useLocalDpi xmlns:a14="http://schemas.microsoft.com/office/drawing/2010/main" val="0"/>
               </a:ext>
               <a:ext uri="{96DAC541-7B7A-43D3-8B79-37D633B846F1}">
-                <asvg:svgBlip xmlns:asvg="http://schemas.microsoft.com/office/drawing/2016/SVG/main" xmlns="" r:embed="rId3"/>
+                <asvg:svgBlip xmlns:asvg="http://schemas.microsoft.com/office/drawing/2016/SVG/main" r:embed="rId3"/>
               </a:ext>
             </a:extLst>
           </a:blip>
@@ -8711,7 +8803,7 @@
                 <a14:useLocalDpi xmlns:a14="http://schemas.microsoft.com/office/drawing/2010/main" val="0"/>
               </a:ext>
               <a:ext uri="{96DAC541-7B7A-43D3-8B79-37D633B846F1}">
-                <asvg:svgBlip xmlns:asvg="http://schemas.microsoft.com/office/drawing/2016/SVG/main" xmlns="" r:embed="rId3"/>
+                <asvg:svgBlip xmlns:asvg="http://schemas.microsoft.com/office/drawing/2016/SVG/main" r:embed="rId3"/>
               </a:ext>
             </a:extLst>
           </a:blip>
@@ -8723,45 +8815,6 @@
           <a:xfrm>
             <a:off x="10718276" y="72843"/>
             <a:ext cx="1191315" cy="1191315"/>
-          </a:xfrm>
-          <a:prstGeom prst="rect">
-            <a:avLst/>
-          </a:prstGeom>
-        </p:spPr>
-      </p:pic>
-      <p:pic>
-        <p:nvPicPr>
-          <p:cNvPr id="11" name="Grafik 10" descr="Cloudcomputing">
-            <a:extLst>
-              <a:ext uri="{FF2B5EF4-FFF2-40B4-BE49-F238E27FC236}">
-                <a16:creationId xmlns:a16="http://schemas.microsoft.com/office/drawing/2014/main" id="{55388B73-9C35-439A-B8E5-F749EDB7325A}"/>
-              </a:ext>
-            </a:extLst>
-          </p:cNvPr>
-          <p:cNvPicPr>
-            <a:picLocks noChangeAspect="1"/>
-          </p:cNvPicPr>
-          <p:nvPr/>
-        </p:nvPicPr>
-        <p:blipFill>
-          <a:blip r:embed="rId4" cstate="hqprint">
-            <a:extLst>
-              <a:ext uri="{28A0092B-C50C-407E-A947-70E740481C1C}">
-                <a14:useLocalDpi xmlns:a14="http://schemas.microsoft.com/office/drawing/2010/main" val="0"/>
-              </a:ext>
-              <a:ext uri="{96DAC541-7B7A-43D3-8B79-37D633B846F1}">
-                <asvg:svgBlip xmlns:asvg="http://schemas.microsoft.com/office/drawing/2016/SVG/main" xmlns="" r:embed="rId5"/>
-              </a:ext>
-            </a:extLst>
-          </a:blip>
-          <a:stretch>
-            <a:fillRect/>
-          </a:stretch>
-        </p:blipFill>
-        <p:spPr>
-          <a:xfrm>
-            <a:off x="5638800" y="2971800"/>
-            <a:ext cx="914400" cy="914400"/>
           </a:xfrm>
           <a:prstGeom prst="rect">
             <a:avLst/>
@@ -8834,10 +8887,6 @@
               <a:rPr lang="de-DE" dirty="0" err="1"/>
               <a:t>Actuators</a:t>
             </a:r>
-            <a:r>
-              <a:rPr lang="de-DE" sz="2800" dirty="0"/>
-              <a:t/>
-            </a:r>
             <a:br>
               <a:rPr lang="de-DE" sz="2800" dirty="0"/>
             </a:br>
@@ -9285,7 +9334,7 @@
                 <a14:useLocalDpi xmlns:a14="http://schemas.microsoft.com/office/drawing/2010/main" val="0"/>
               </a:ext>
               <a:ext uri="{96DAC541-7B7A-43D3-8B79-37D633B846F1}">
-                <asvg:svgBlip xmlns:asvg="http://schemas.microsoft.com/office/drawing/2016/SVG/main" xmlns="" r:embed="rId3"/>
+                <asvg:svgBlip xmlns:asvg="http://schemas.microsoft.com/office/drawing/2016/SVG/main" r:embed="rId3"/>
               </a:ext>
             </a:extLst>
           </a:blip>
@@ -9877,7 +9926,7 @@
                 <a14:useLocalDpi xmlns:a14="http://schemas.microsoft.com/office/drawing/2010/main" val="0"/>
               </a:ext>
               <a:ext uri="{96DAC541-7B7A-43D3-8B79-37D633B846F1}">
-                <asvg:svgBlip xmlns:asvg="http://schemas.microsoft.com/office/drawing/2016/SVG/main" xmlns="" r:embed="rId3"/>
+                <asvg:svgBlip xmlns:asvg="http://schemas.microsoft.com/office/drawing/2016/SVG/main" r:embed="rId3"/>
               </a:ext>
             </a:extLst>
           </a:blip>

--- a/Documents/TheMeanSquares_ASUSChallenge.pptx
+++ b/Documents/TheMeanSquares_ASUSChallenge.pptx
@@ -7293,7 +7293,15 @@
             </a:r>
             <a:r>
               <a:rPr lang="de-DE" dirty="0" err="1"/>
-              <a:t>are</a:t>
+              <a:t>can</a:t>
+            </a:r>
+            <a:r>
+              <a:rPr lang="de-DE" dirty="0"/>
+              <a:t> </a:t>
+            </a:r>
+            <a:r>
+              <a:rPr lang="de-DE" dirty="0" err="1"/>
+              <a:t>be</a:t>
             </a:r>
             <a:r>
               <a:rPr lang="de-DE" dirty="0"/>
@@ -7327,7 +7335,34 @@
               <a:rPr lang="de-DE" dirty="0" err="1"/>
               <a:t>file</a:t>
             </a:r>
-            <a:endParaRPr lang="de-DE" dirty="0"/>
+            <a:r>
+              <a:rPr lang="de-DE" dirty="0"/>
+              <a:t> </a:t>
+            </a:r>
+            <a:r>
+              <a:rPr lang="de-DE" dirty="0" err="1"/>
+              <a:t>or</a:t>
+            </a:r>
+            <a:r>
+              <a:rPr lang="de-DE" dirty="0"/>
+              <a:t> on </a:t>
+            </a:r>
+            <a:r>
+              <a:rPr lang="de-DE" dirty="0" err="1"/>
+              <a:t>the</a:t>
+            </a:r>
+            <a:r>
+              <a:rPr lang="de-DE" dirty="0"/>
+              <a:t> </a:t>
+            </a:r>
+            <a:r>
+              <a:rPr lang="de-DE" dirty="0" err="1"/>
+              <a:t>webinterface</a:t>
+            </a:r>
+            <a:r>
+              <a:rPr lang="de-DE" dirty="0"/>
+              <a:t> </a:t>
+            </a:r>
           </a:p>
           <a:p>
             <a:pPr marL="285750" indent="-285750">
@@ -8643,7 +8678,7 @@
             </a:r>
             <a:r>
               <a:rPr lang="de-DE" dirty="0" err="1"/>
-              <a:t>Hackville</a:t>
+              <a:t>Hackwil</a:t>
             </a:r>
             <a:r>
               <a:rPr lang="de-DE" dirty="0"/>
@@ -8667,7 +8702,7 @@
             </a:r>
             <a:r>
               <a:rPr lang="de-DE" dirty="0" err="1"/>
-              <a:t>configured</a:t>
+              <a:t>intialised</a:t>
             </a:r>
             <a:r>
               <a:rPr lang="de-DE" dirty="0"/>
@@ -8689,6 +8724,27 @@
               <a:rPr lang="de-DE" dirty="0"/>
               <a:t> </a:t>
             </a:r>
+            <a:r>
+              <a:rPr lang="de-DE" dirty="0" err="1"/>
+              <a:t>or</a:t>
+            </a:r>
+            <a:r>
+              <a:rPr lang="de-DE" dirty="0"/>
+              <a:t> via </a:t>
+            </a:r>
+            <a:r>
+              <a:rPr lang="de-DE" dirty="0" err="1"/>
+              <a:t>the</a:t>
+            </a:r>
+            <a:r>
+              <a:rPr lang="de-DE" dirty="0"/>
+              <a:t> </a:t>
+            </a:r>
+            <a:r>
+              <a:rPr lang="de-DE" dirty="0" err="1"/>
+              <a:t>webinterface</a:t>
+            </a:r>
+            <a:endParaRPr lang="de-DE" dirty="0"/>
           </a:p>
           <a:p>
             <a:pPr lvl="1"/>
@@ -9178,7 +9234,7 @@
             </a:r>
             <a:r>
               <a:rPr lang="de-DE" dirty="0" err="1"/>
-              <a:t>Hackville</a:t>
+              <a:t>Hackwil</a:t>
             </a:r>
             <a:r>
               <a:rPr lang="de-DE" dirty="0"/>
@@ -9224,6 +9280,27 @@
               <a:rPr lang="de-DE" dirty="0"/>
               <a:t> </a:t>
             </a:r>
+            <a:r>
+              <a:rPr lang="de-DE" dirty="0" err="1"/>
+              <a:t>or</a:t>
+            </a:r>
+            <a:r>
+              <a:rPr lang="de-DE" dirty="0"/>
+              <a:t> in </a:t>
+            </a:r>
+            <a:r>
+              <a:rPr lang="de-DE" dirty="0" err="1"/>
+              <a:t>the</a:t>
+            </a:r>
+            <a:r>
+              <a:rPr lang="de-DE" dirty="0"/>
+              <a:t> </a:t>
+            </a:r>
+            <a:r>
+              <a:rPr lang="de-DE" dirty="0" err="1"/>
+              <a:t>webinterface</a:t>
+            </a:r>
+            <a:endParaRPr lang="de-DE" dirty="0"/>
           </a:p>
         </p:txBody>
       </p:sp>
@@ -10105,7 +10182,7 @@
               <a:rPr lang="en-GB" dirty="0" err="1">
                 <a:latin typeface="-apple-system"/>
               </a:rPr>
-              <a:t>Hackville</a:t>
+              <a:t>Hackwil</a:t>
             </a:r>
             <a:endParaRPr lang="en-GB" dirty="0"/>
           </a:p>

--- a/Documents/TheMeanSquares_ASUSChallenge.pptx
+++ b/Documents/TheMeanSquares_ASUSChallenge.pptx
@@ -8702,7 +8702,7 @@
             </a:r>
             <a:r>
               <a:rPr lang="de-DE" dirty="0" err="1"/>
-              <a:t>intialised</a:t>
+              <a:t>configured</a:t>
             </a:r>
             <a:r>
               <a:rPr lang="de-DE" dirty="0"/>
@@ -8719,30 +8719,6 @@
             <a:r>
               <a:rPr lang="de-DE" dirty="0" err="1"/>
               <a:t>file</a:t>
-            </a:r>
-            <a:r>
-              <a:rPr lang="de-DE" dirty="0"/>
-              <a:t> </a:t>
-            </a:r>
-            <a:r>
-              <a:rPr lang="de-DE" dirty="0" err="1"/>
-              <a:t>or</a:t>
-            </a:r>
-            <a:r>
-              <a:rPr lang="de-DE" dirty="0"/>
-              <a:t> via </a:t>
-            </a:r>
-            <a:r>
-              <a:rPr lang="de-DE" dirty="0" err="1"/>
-              <a:t>the</a:t>
-            </a:r>
-            <a:r>
-              <a:rPr lang="de-DE" dirty="0"/>
-              <a:t> </a:t>
-            </a:r>
-            <a:r>
-              <a:rPr lang="de-DE" dirty="0" err="1"/>
-              <a:t>webinterface</a:t>
             </a:r>
             <a:endParaRPr lang="de-DE" dirty="0"/>
           </a:p>
@@ -9273,32 +9249,8 @@
               <a:t> </a:t>
             </a:r>
             <a:r>
-              <a:rPr lang="de-DE" dirty="0" err="1"/>
+              <a:rPr lang="de-DE"/>
               <a:t>file</a:t>
-            </a:r>
-            <a:r>
-              <a:rPr lang="de-DE" dirty="0"/>
-              <a:t> </a:t>
-            </a:r>
-            <a:r>
-              <a:rPr lang="de-DE" dirty="0" err="1"/>
-              <a:t>or</a:t>
-            </a:r>
-            <a:r>
-              <a:rPr lang="de-DE" dirty="0"/>
-              <a:t> in </a:t>
-            </a:r>
-            <a:r>
-              <a:rPr lang="de-DE" dirty="0" err="1"/>
-              <a:t>the</a:t>
-            </a:r>
-            <a:r>
-              <a:rPr lang="de-DE" dirty="0"/>
-              <a:t> </a:t>
-            </a:r>
-            <a:r>
-              <a:rPr lang="de-DE" dirty="0" err="1"/>
-              <a:t>webinterface</a:t>
             </a:r>
             <a:endParaRPr lang="de-DE" dirty="0"/>
           </a:p>

--- a/Documents/TheMeanSquares_ASUSChallenge.pptx
+++ b/Documents/TheMeanSquares_ASUSChallenge.pptx
@@ -4330,7 +4330,7 @@
                 <a14:useLocalDpi xmlns:a14="http://schemas.microsoft.com/office/drawing/2010/main" val="0"/>
               </a:ext>
               <a:ext uri="{96DAC541-7B7A-43D3-8B79-37D633B846F1}">
-                <asvg:svgBlip xmlns:asvg="http://schemas.microsoft.com/office/drawing/2016/SVG/main" r:embed="rId4"/>
+                <asvg:svgBlip xmlns:asvg="http://schemas.microsoft.com/office/drawing/2016/SVG/main" xmlns="" r:embed="rId4"/>
               </a:ext>
             </a:extLst>
           </a:blip>
@@ -4399,7 +4399,7 @@
                 <a14:useLocalDpi xmlns:a14="http://schemas.microsoft.com/office/drawing/2010/main" val="0"/>
               </a:ext>
               <a:ext uri="{96DAC541-7B7A-43D3-8B79-37D633B846F1}">
-                <asvg:svgBlip xmlns:asvg="http://schemas.microsoft.com/office/drawing/2016/SVG/main" r:embed="rId3"/>
+                <asvg:svgBlip xmlns:asvg="http://schemas.microsoft.com/office/drawing/2016/SVG/main" xmlns="" r:embed="rId3"/>
               </a:ext>
             </a:extLst>
           </a:blip>
@@ -4868,7 +4868,7 @@
                 <a14:useLocalDpi xmlns:a14="http://schemas.microsoft.com/office/drawing/2010/main" val="0"/>
               </a:ext>
               <a:ext uri="{96DAC541-7B7A-43D3-8B79-37D633B846F1}">
-                <asvg:svgBlip xmlns:asvg="http://schemas.microsoft.com/office/drawing/2016/SVG/main" r:embed="rId5"/>
+                <asvg:svgBlip xmlns:asvg="http://schemas.microsoft.com/office/drawing/2016/SVG/main" xmlns="" r:embed="rId5"/>
               </a:ext>
             </a:extLst>
           </a:blip>
@@ -5720,6 +5720,10 @@
               <a:rPr lang="de-DE" dirty="0" err="1"/>
               <a:t>Overview</a:t>
             </a:r>
+            <a:r>
+              <a:rPr lang="de-DE" dirty="0"/>
+              <a:t/>
+            </a:r>
             <a:br>
               <a:rPr lang="de-DE" dirty="0"/>
             </a:br>
@@ -6702,7 +6706,7 @@
                 <a14:useLocalDpi xmlns:a14="http://schemas.microsoft.com/office/drawing/2010/main" val="0"/>
               </a:ext>
               <a:ext uri="{96DAC541-7B7A-43D3-8B79-37D633B846F1}">
-                <asvg:svgBlip xmlns:asvg="http://schemas.microsoft.com/office/drawing/2016/SVG/main" r:embed="rId3"/>
+                <asvg:svgBlip xmlns:asvg="http://schemas.microsoft.com/office/drawing/2016/SVG/main" xmlns="" r:embed="rId3"/>
               </a:ext>
             </a:extLst>
           </a:blip>
@@ -6741,7 +6745,7 @@
                 <a14:useLocalDpi xmlns:a14="http://schemas.microsoft.com/office/drawing/2010/main" val="0"/>
               </a:ext>
               <a:ext uri="{96DAC541-7B7A-43D3-8B79-37D633B846F1}">
-                <asvg:svgBlip xmlns:asvg="http://schemas.microsoft.com/office/drawing/2016/SVG/main" r:embed="rId5"/>
+                <asvg:svgBlip xmlns:asvg="http://schemas.microsoft.com/office/drawing/2016/SVG/main" xmlns="" r:embed="rId5"/>
               </a:ext>
             </a:extLst>
           </a:blip>
@@ -6780,7 +6784,7 @@
                 <a14:useLocalDpi xmlns:a14="http://schemas.microsoft.com/office/drawing/2010/main" val="0"/>
               </a:ext>
               <a:ext uri="{96DAC541-7B7A-43D3-8B79-37D633B846F1}">
-                <asvg:svgBlip xmlns:asvg="http://schemas.microsoft.com/office/drawing/2016/SVG/main" r:embed="rId7"/>
+                <asvg:svgBlip xmlns:asvg="http://schemas.microsoft.com/office/drawing/2016/SVG/main" xmlns="" r:embed="rId7"/>
               </a:ext>
             </a:extLst>
           </a:blip>
@@ -6819,7 +6823,7 @@
                 <a14:useLocalDpi xmlns:a14="http://schemas.microsoft.com/office/drawing/2010/main" val="0"/>
               </a:ext>
               <a:ext uri="{96DAC541-7B7A-43D3-8B79-37D633B846F1}">
-                <asvg:svgBlip xmlns:asvg="http://schemas.microsoft.com/office/drawing/2016/SVG/main" r:embed="rId9"/>
+                <asvg:svgBlip xmlns:asvg="http://schemas.microsoft.com/office/drawing/2016/SVG/main" xmlns="" r:embed="rId9"/>
               </a:ext>
             </a:extLst>
           </a:blip>
@@ -6898,6 +6902,10 @@
               <a:rPr lang="de-DE" dirty="0" err="1"/>
               <a:t>engine</a:t>
             </a:r>
+            <a:r>
+              <a:rPr lang="de-DE" dirty="0"/>
+              <a:t/>
+            </a:r>
             <a:br>
               <a:rPr lang="de-DE" dirty="0"/>
             </a:br>
@@ -7779,7 +7787,7 @@
                 <a14:useLocalDpi xmlns:a14="http://schemas.microsoft.com/office/drawing/2010/main" val="0"/>
               </a:ext>
               <a:ext uri="{96DAC541-7B7A-43D3-8B79-37D633B846F1}">
-                <asvg:svgBlip xmlns:asvg="http://schemas.microsoft.com/office/drawing/2016/SVG/main" r:embed="rId3"/>
+                <asvg:svgBlip xmlns:asvg="http://schemas.microsoft.com/office/drawing/2016/SVG/main" xmlns="" r:embed="rId3"/>
               </a:ext>
             </a:extLst>
           </a:blip>
@@ -8198,7 +8206,7 @@
                 <a14:useLocalDpi xmlns:a14="http://schemas.microsoft.com/office/drawing/2010/main" val="0"/>
               </a:ext>
               <a:ext uri="{96DAC541-7B7A-43D3-8B79-37D633B846F1}">
-                <asvg:svgBlip xmlns:asvg="http://schemas.microsoft.com/office/drawing/2016/SVG/main" r:embed="rId3"/>
+                <asvg:svgBlip xmlns:asvg="http://schemas.microsoft.com/office/drawing/2016/SVG/main" xmlns="" r:embed="rId3"/>
               </a:ext>
             </a:extLst>
           </a:blip>
@@ -8835,7 +8843,7 @@
                 <a14:useLocalDpi xmlns:a14="http://schemas.microsoft.com/office/drawing/2010/main" val="0"/>
               </a:ext>
               <a:ext uri="{96DAC541-7B7A-43D3-8B79-37D633B846F1}">
-                <asvg:svgBlip xmlns:asvg="http://schemas.microsoft.com/office/drawing/2016/SVG/main" r:embed="rId3"/>
+                <asvg:svgBlip xmlns:asvg="http://schemas.microsoft.com/office/drawing/2016/SVG/main" xmlns="" r:embed="rId3"/>
               </a:ext>
             </a:extLst>
           </a:blip>
@@ -8919,6 +8927,10 @@
               <a:rPr lang="de-DE" dirty="0" err="1"/>
               <a:t>Actuators</a:t>
             </a:r>
+            <a:r>
+              <a:rPr lang="de-DE" sz="2800" dirty="0"/>
+              <a:t/>
+            </a:r>
             <a:br>
               <a:rPr lang="de-DE" sz="2800" dirty="0"/>
             </a:br>
@@ -9363,7 +9375,7 @@
                 <a14:useLocalDpi xmlns:a14="http://schemas.microsoft.com/office/drawing/2010/main" val="0"/>
               </a:ext>
               <a:ext uri="{96DAC541-7B7A-43D3-8B79-37D633B846F1}">
-                <asvg:svgBlip xmlns:asvg="http://schemas.microsoft.com/office/drawing/2016/SVG/main" r:embed="rId3"/>
+                <asvg:svgBlip xmlns:asvg="http://schemas.microsoft.com/office/drawing/2016/SVG/main" xmlns="" r:embed="rId3"/>
               </a:ext>
             </a:extLst>
           </a:blip>
@@ -9691,12 +9703,16 @@
               <a:t> </a:t>
             </a:r>
             <a:r>
-              <a:rPr lang="de-DE" dirty="0" err="1"/>
-              <a:t>environmet</a:t>
-            </a:r>
-            <a:r>
-              <a:rPr lang="de-DE" dirty="0"/>
-              <a:t> (e.g. a </a:t>
+              <a:rPr lang="de-DE" smtClean="0"/>
+              <a:t>environment</a:t>
+            </a:r>
+            <a:r>
+              <a:rPr lang="de-DE" dirty="0" smtClean="0"/>
+              <a:t> </a:t>
+            </a:r>
+            <a:r>
+              <a:rPr lang="de-DE" dirty="0"/>
+              <a:t>(e.g. a </a:t>
             </a:r>
             <a:r>
               <a:rPr lang="de-DE" dirty="0" err="1"/>
@@ -9955,7 +9971,7 @@
                 <a14:useLocalDpi xmlns:a14="http://schemas.microsoft.com/office/drawing/2010/main" val="0"/>
               </a:ext>
               <a:ext uri="{96DAC541-7B7A-43D3-8B79-37D633B846F1}">
-                <asvg:svgBlip xmlns:asvg="http://schemas.microsoft.com/office/drawing/2016/SVG/main" r:embed="rId3"/>
+                <asvg:svgBlip xmlns:asvg="http://schemas.microsoft.com/office/drawing/2016/SVG/main" xmlns="" r:embed="rId3"/>
               </a:ext>
             </a:extLst>
           </a:blip>

--- a/Documents/TheMeanSquares_ASUSChallenge.pptx
+++ b/Documents/TheMeanSquares_ASUSChallenge.pptx
@@ -5,10 +5,10 @@
     <p:sldMasterId id="2147483648" r:id="rId1"/>
   </p:sldMasterIdLst>
   <p:notesMasterIdLst>
-    <p:notesMasterId r:id="rId16"/>
+    <p:notesMasterId r:id="rId18"/>
   </p:notesMasterIdLst>
   <p:handoutMasterIdLst>
-    <p:handoutMasterId r:id="rId17"/>
+    <p:handoutMasterId r:id="rId19"/>
   </p:handoutMasterIdLst>
   <p:sldIdLst>
     <p:sldId id="256" r:id="rId2"/>
@@ -24,7 +24,9 @@
     <p:sldId id="267" r:id="rId12"/>
     <p:sldId id="268" r:id="rId13"/>
     <p:sldId id="269" r:id="rId14"/>
-    <p:sldId id="258" r:id="rId15"/>
+    <p:sldId id="270" r:id="rId15"/>
+    <p:sldId id="271" r:id="rId16"/>
+    <p:sldId id="258" r:id="rId17"/>
   </p:sldIdLst>
   <p:sldSz cx="12192000" cy="6858000"/>
   <p:notesSz cx="6858000" cy="9144000"/>
@@ -306,7 +308,7 @@
           <a:p>
             <a:fld id="{3D9E2604-748C-402D-98BA-E22ABA5BF11B}" type="slidenum">
               <a:rPr lang="en-GB" smtClean="0"/>
-              <a:t>‹Nr.›</a:t>
+              <a:t>‹#›</a:t>
             </a:fld>
             <a:endParaRPr lang="en-GB"/>
           </a:p>
@@ -568,7 +570,7 @@
           <a:p>
             <a:fld id="{0B446848-A873-4A70-897D-4998CE131F30}" type="slidenum">
               <a:rPr lang="en-GB" smtClean="0"/>
-              <a:t>‹Nr.›</a:t>
+              <a:t>‹#›</a:t>
             </a:fld>
             <a:endParaRPr lang="en-GB"/>
           </a:p>
@@ -884,7 +886,7 @@
           <a:p>
             <a:fld id="{729B7826-D7EA-4ED7-AA55-2B2049A0AAD1}" type="slidenum">
               <a:rPr lang="en-GB" smtClean="0"/>
-              <a:t>‹Nr.›</a:t>
+              <a:t>‹#›</a:t>
             </a:fld>
             <a:endParaRPr lang="en-GB"/>
           </a:p>
@@ -1087,7 +1089,7 @@
           <a:p>
             <a:fld id="{729B7826-D7EA-4ED7-AA55-2B2049A0AAD1}" type="slidenum">
               <a:rPr lang="en-GB" smtClean="0"/>
-              <a:t>‹Nr.›</a:t>
+              <a:t>‹#›</a:t>
             </a:fld>
             <a:endParaRPr lang="en-GB"/>
           </a:p>
@@ -1300,7 +1302,7 @@
           <a:p>
             <a:fld id="{729B7826-D7EA-4ED7-AA55-2B2049A0AAD1}" type="slidenum">
               <a:rPr lang="en-GB" smtClean="0"/>
-              <a:t>‹Nr.›</a:t>
+              <a:t>‹#›</a:t>
             </a:fld>
             <a:endParaRPr lang="en-GB"/>
           </a:p>
@@ -1503,7 +1505,7 @@
           <a:p>
             <a:fld id="{729B7826-D7EA-4ED7-AA55-2B2049A0AAD1}" type="slidenum">
               <a:rPr lang="en-GB" smtClean="0"/>
-              <a:t>‹Nr.›</a:t>
+              <a:t>‹#›</a:t>
             </a:fld>
             <a:endParaRPr lang="en-GB"/>
           </a:p>
@@ -1782,7 +1784,7 @@
           <a:p>
             <a:fld id="{729B7826-D7EA-4ED7-AA55-2B2049A0AAD1}" type="slidenum">
               <a:rPr lang="en-GB" smtClean="0"/>
-              <a:t>‹Nr.›</a:t>
+              <a:t>‹#›</a:t>
             </a:fld>
             <a:endParaRPr lang="en-GB"/>
           </a:p>
@@ -2053,7 +2055,7 @@
           <a:p>
             <a:fld id="{729B7826-D7EA-4ED7-AA55-2B2049A0AAD1}" type="slidenum">
               <a:rPr lang="en-GB" smtClean="0"/>
-              <a:t>‹Nr.›</a:t>
+              <a:t>‹#›</a:t>
             </a:fld>
             <a:endParaRPr lang="en-GB"/>
           </a:p>
@@ -2471,7 +2473,7 @@
           <a:p>
             <a:fld id="{729B7826-D7EA-4ED7-AA55-2B2049A0AAD1}" type="slidenum">
               <a:rPr lang="en-GB" smtClean="0"/>
-              <a:t>‹Nr.›</a:t>
+              <a:t>‹#›</a:t>
             </a:fld>
             <a:endParaRPr lang="en-GB"/>
           </a:p>
@@ -2616,7 +2618,7 @@
           <a:p>
             <a:fld id="{729B7826-D7EA-4ED7-AA55-2B2049A0AAD1}" type="slidenum">
               <a:rPr lang="en-GB" smtClean="0"/>
-              <a:t>‹Nr.›</a:t>
+              <a:t>‹#›</a:t>
             </a:fld>
             <a:endParaRPr lang="en-GB"/>
           </a:p>
@@ -2732,7 +2734,7 @@
           <a:p>
             <a:fld id="{729B7826-D7EA-4ED7-AA55-2B2049A0AAD1}" type="slidenum">
               <a:rPr lang="en-GB" smtClean="0"/>
-              <a:t>‹Nr.›</a:t>
+              <a:t>‹#›</a:t>
             </a:fld>
             <a:endParaRPr lang="en-GB"/>
           </a:p>
@@ -3048,7 +3050,7 @@
           <a:p>
             <a:fld id="{729B7826-D7EA-4ED7-AA55-2B2049A0AAD1}" type="slidenum">
               <a:rPr lang="en-GB" smtClean="0"/>
-              <a:t>‹Nr.›</a:t>
+              <a:t>‹#›</a:t>
             </a:fld>
             <a:endParaRPr lang="en-GB"/>
           </a:p>
@@ -3340,7 +3342,7 @@
           <a:p>
             <a:fld id="{729B7826-D7EA-4ED7-AA55-2B2049A0AAD1}" type="slidenum">
               <a:rPr lang="en-GB" smtClean="0"/>
-              <a:t>‹Nr.›</a:t>
+              <a:t>‹#›</a:t>
             </a:fld>
             <a:endParaRPr lang="en-GB"/>
           </a:p>
@@ -4241,90 +4243,66 @@
           </a:p>
         </p:txBody>
       </p:sp>
+      <p:sp>
+        <p:nvSpPr>
+          <p:cNvPr id="8" name="Inhaltsplatzhalter 2">
+            <a:extLst>
+              <a:ext uri="{FF2B5EF4-FFF2-40B4-BE49-F238E27FC236}">
+                <a16:creationId xmlns:a16="http://schemas.microsoft.com/office/drawing/2014/main" id="{132748EF-B3CA-4D65-B6EC-94FF71A87E83}"/>
+              </a:ext>
+            </a:extLst>
+          </p:cNvPr>
+          <p:cNvSpPr>
+            <a:spLocks noGrp="1"/>
+          </p:cNvSpPr>
+          <p:nvPr>
+            <p:ph idx="1"/>
+          </p:nvPr>
+        </p:nvSpPr>
+        <p:spPr>
+          <a:xfrm>
+            <a:off x="838200" y="1690688"/>
+            <a:ext cx="10515600" cy="4351338"/>
+          </a:xfrm>
+        </p:spPr>
+        <p:txBody>
+          <a:bodyPr/>
+          <a:lstStyle/>
+          <a:p>
+            <a:pPr marL="0" indent="0">
+              <a:buNone/>
+            </a:pPr>
+            <a:r>
+              <a:rPr lang="en-GB" dirty="0"/>
+              <a:t>With our interactive </a:t>
+            </a:r>
+            <a:r>
+              <a:rPr lang="en-GB" dirty="0" err="1"/>
+              <a:t>webinterface</a:t>
+            </a:r>
+            <a:r>
+              <a:rPr lang="en-GB" dirty="0"/>
+              <a:t> the state of our IoT system can be monitored. </a:t>
+            </a:r>
+          </a:p>
+        </p:txBody>
+      </p:sp>
       <p:pic>
         <p:nvPicPr>
-          <p:cNvPr id="7" name="Picture 6"/>
+          <p:cNvPr id="9" name="Grafik 8" descr="Internet">
+            <a:extLst>
+              <a:ext uri="{FF2B5EF4-FFF2-40B4-BE49-F238E27FC236}">
+                <a16:creationId xmlns:a16="http://schemas.microsoft.com/office/drawing/2014/main" id="{BBEE65C9-46E0-49DE-AD74-50E633C703F4}"/>
+              </a:ext>
+            </a:extLst>
+          </p:cNvPr>
           <p:cNvPicPr>
             <a:picLocks noChangeAspect="1"/>
           </p:cNvPicPr>
           <p:nvPr/>
         </p:nvPicPr>
         <p:blipFill>
-          <a:blip r:embed="rId2"/>
-          <a:stretch>
-            <a:fillRect/>
-          </a:stretch>
-        </p:blipFill>
-        <p:spPr>
-          <a:xfrm>
-            <a:off x="6459093" y="2643950"/>
-            <a:ext cx="4705350" cy="3238500"/>
-          </a:xfrm>
-          <a:prstGeom prst="rect">
-            <a:avLst/>
-          </a:prstGeom>
-        </p:spPr>
-      </p:pic>
-      <p:sp>
-        <p:nvSpPr>
-          <p:cNvPr id="8" name="Inhaltsplatzhalter 2">
-            <a:extLst>
-              <a:ext uri="{FF2B5EF4-FFF2-40B4-BE49-F238E27FC236}">
-                <a16:creationId xmlns:a16="http://schemas.microsoft.com/office/drawing/2014/main" id="{132748EF-B3CA-4D65-B6EC-94FF71A87E83}"/>
-              </a:ext>
-            </a:extLst>
-          </p:cNvPr>
-          <p:cNvSpPr>
-            <a:spLocks noGrp="1"/>
-          </p:cNvSpPr>
-          <p:nvPr>
-            <p:ph idx="1"/>
-          </p:nvPr>
-        </p:nvSpPr>
-        <p:spPr>
-          <a:xfrm>
-            <a:off x="838200" y="1690688"/>
-            <a:ext cx="10515600" cy="4351338"/>
-          </a:xfrm>
-        </p:spPr>
-        <p:txBody>
-          <a:bodyPr/>
-          <a:lstStyle/>
-          <a:p>
-            <a:pPr marL="0" indent="0">
-              <a:buNone/>
-            </a:pPr>
-            <a:r>
-              <a:rPr lang="en-GB" dirty="0"/>
-              <a:t>With our interactive </a:t>
-            </a:r>
-            <a:r>
-              <a:rPr lang="en-GB" dirty="0" err="1"/>
-              <a:t>webinterface</a:t>
-            </a:r>
-            <a:r>
-              <a:rPr lang="en-GB" dirty="0"/>
-              <a:t> the state of our IoT system can be monitored. New Rules for interaction between actuators and sensors can be added on the fly.</a:t>
-            </a:r>
-          </a:p>
-        </p:txBody>
-      </p:sp>
-      <p:pic>
-        <p:nvPicPr>
-          <p:cNvPr id="9" name="Grafik 8" descr="Internet">
-            <a:extLst>
-              <a:ext uri="{FF2B5EF4-FFF2-40B4-BE49-F238E27FC236}">
-                <a16:creationId xmlns:a16="http://schemas.microsoft.com/office/drawing/2014/main" id="{BBEE65C9-46E0-49DE-AD74-50E633C703F4}"/>
-              </a:ext>
-            </a:extLst>
-          </p:cNvPr>
-          <p:cNvPicPr>
-            <a:picLocks noChangeAspect="1"/>
-          </p:cNvPicPr>
-          <p:nvPr/>
-        </p:nvPicPr>
-        <p:blipFill>
-          <a:blip r:embed="rId3">
+          <a:blip r:embed="rId2">
             <a:extLst>
               <a:ext uri="{28A0092B-C50C-407E-A947-70E740481C1C}">
                 <a14:useLocalDpi xmlns:a14="http://schemas.microsoft.com/office/drawing/2010/main" val="0"/>
@@ -4348,6 +4326,196 @@
           </a:prstGeom>
         </p:spPr>
       </p:pic>
+      <p:pic>
+        <p:nvPicPr>
+          <p:cNvPr id="3" name="Picture 2"/>
+          <p:cNvPicPr>
+            <a:picLocks noChangeAspect="1"/>
+          </p:cNvPicPr>
+          <p:nvPr/>
+        </p:nvPicPr>
+        <p:blipFill>
+          <a:blip r:embed="rId5"/>
+          <a:stretch>
+            <a:fillRect/>
+          </a:stretch>
+        </p:blipFill>
+        <p:spPr>
+          <a:xfrm>
+            <a:off x="3505922" y="2947357"/>
+            <a:ext cx="2590078" cy="3325722"/>
+          </a:xfrm>
+          <a:prstGeom prst="rect">
+            <a:avLst/>
+          </a:prstGeom>
+        </p:spPr>
+      </p:pic>
+      <p:sp>
+        <p:nvSpPr>
+          <p:cNvPr id="10" name="TextBox 9"/>
+          <p:cNvSpPr txBox="1"/>
+          <p:nvPr/>
+        </p:nvSpPr>
+        <p:spPr>
+          <a:xfrm>
+            <a:off x="5080000" y="4068679"/>
+            <a:ext cx="4148764" cy="369332"/>
+          </a:xfrm>
+          <a:prstGeom prst="rect">
+            <a:avLst/>
+          </a:prstGeom>
+          <a:noFill/>
+        </p:spPr>
+        <p:txBody>
+          <a:bodyPr wrap="none" rtlCol="0">
+            <a:spAutoFit/>
+          </a:bodyPr>
+          <a:lstStyle/>
+          <a:p>
+            <a:r>
+              <a:rPr lang="en-GB" dirty="0" smtClean="0"/>
+              <a:t>See all active Sensors, Actuators and Rules</a:t>
+            </a:r>
+            <a:endParaRPr lang="en-US" dirty="0"/>
+          </a:p>
+        </p:txBody>
+      </p:sp>
+      <p:sp>
+        <p:nvSpPr>
+          <p:cNvPr id="11" name="Right Brace 10"/>
+          <p:cNvSpPr/>
+          <p:nvPr/>
+        </p:nvSpPr>
+        <p:spPr>
+          <a:xfrm>
+            <a:off x="4800961" y="3759200"/>
+            <a:ext cx="131257" cy="988291"/>
+          </a:xfrm>
+          <a:prstGeom prst="rightBrace">
+            <a:avLst/>
+          </a:prstGeom>
+        </p:spPr>
+        <p:style>
+          <a:lnRef idx="1">
+            <a:schemeClr val="accent1"/>
+          </a:lnRef>
+          <a:fillRef idx="0">
+            <a:schemeClr val="accent1"/>
+          </a:fillRef>
+          <a:effectRef idx="0">
+            <a:schemeClr val="accent1"/>
+          </a:effectRef>
+          <a:fontRef idx="minor">
+            <a:schemeClr val="tx1"/>
+          </a:fontRef>
+        </p:style>
+        <p:txBody>
+          <a:bodyPr rtlCol="0" anchor="ctr"/>
+          <a:lstStyle/>
+          <a:p>
+            <a:pPr algn="ctr"/>
+            <a:endParaRPr lang="en-US"/>
+          </a:p>
+        </p:txBody>
+      </p:sp>
+      <p:sp>
+        <p:nvSpPr>
+          <p:cNvPr id="12" name="TextBox 11"/>
+          <p:cNvSpPr txBox="1"/>
+          <p:nvPr/>
+        </p:nvSpPr>
+        <p:spPr>
+          <a:xfrm>
+            <a:off x="5080000" y="4870686"/>
+            <a:ext cx="2459776" cy="369332"/>
+          </a:xfrm>
+          <a:prstGeom prst="rect">
+            <a:avLst/>
+          </a:prstGeom>
+          <a:noFill/>
+        </p:spPr>
+        <p:txBody>
+          <a:bodyPr wrap="none" rtlCol="0">
+            <a:spAutoFit/>
+          </a:bodyPr>
+          <a:lstStyle/>
+          <a:p>
+            <a:r>
+              <a:rPr lang="en-GB" dirty="0" smtClean="0"/>
+              <a:t>Add new rules on the fly</a:t>
+            </a:r>
+            <a:endParaRPr lang="en-US" dirty="0"/>
+          </a:p>
+        </p:txBody>
+      </p:sp>
+      <p:sp>
+        <p:nvSpPr>
+          <p:cNvPr id="13" name="TextBox 12"/>
+          <p:cNvSpPr txBox="1"/>
+          <p:nvPr/>
+        </p:nvSpPr>
+        <p:spPr>
+          <a:xfrm>
+            <a:off x="5080000" y="5364970"/>
+            <a:ext cx="4695709" cy="369332"/>
+          </a:xfrm>
+          <a:prstGeom prst="rect">
+            <a:avLst/>
+          </a:prstGeom>
+          <a:noFill/>
+        </p:spPr>
+        <p:txBody>
+          <a:bodyPr wrap="none" rtlCol="0">
+            <a:spAutoFit/>
+          </a:bodyPr>
+          <a:lstStyle/>
+          <a:p>
+            <a:r>
+              <a:rPr lang="en-GB" dirty="0" smtClean="0"/>
+              <a:t>Plot the data of selected sensors simultaneously</a:t>
+            </a:r>
+            <a:endParaRPr lang="en-US" dirty="0"/>
+          </a:p>
+        </p:txBody>
+      </p:sp>
+      <p:sp>
+        <p:nvSpPr>
+          <p:cNvPr id="14" name="TextBox 13"/>
+          <p:cNvSpPr txBox="1"/>
+          <p:nvPr/>
+        </p:nvSpPr>
+        <p:spPr>
+          <a:xfrm>
+            <a:off x="5079758" y="5859254"/>
+            <a:ext cx="3233899" cy="369332"/>
+          </a:xfrm>
+          <a:prstGeom prst="rect">
+            <a:avLst/>
+          </a:prstGeom>
+          <a:noFill/>
+        </p:spPr>
+        <p:txBody>
+          <a:bodyPr wrap="none" rtlCol="0">
+            <a:spAutoFit/>
+          </a:bodyPr>
+          <a:lstStyle/>
+          <a:p>
+            <a:r>
+              <a:rPr lang="en-GB" dirty="0" smtClean="0"/>
+              <a:t>Show the location all </a:t>
+            </a:r>
+            <a:r>
+              <a:rPr lang="en-GB" dirty="0" err="1" smtClean="0"/>
+              <a:t>IoT</a:t>
+            </a:r>
+            <a:r>
+              <a:rPr lang="en-GB" dirty="0" smtClean="0"/>
+              <a:t> devices</a:t>
+            </a:r>
+            <a:endParaRPr lang="en-US" dirty="0"/>
+          </a:p>
+        </p:txBody>
+      </p:sp>
     </p:spTree>
     <p:extLst>
       <p:ext uri="{BB962C8B-B14F-4D97-AF65-F5344CB8AC3E}">
@@ -5147,13 +5315,7 @@
       </p:grpSpPr>
       <p:sp>
         <p:nvSpPr>
-          <p:cNvPr id="2" name="Titel 1">
-            <a:extLst>
-              <a:ext uri="{FF2B5EF4-FFF2-40B4-BE49-F238E27FC236}">
-                <a16:creationId xmlns:a16="http://schemas.microsoft.com/office/drawing/2014/main" id="{296D4D21-842A-427A-B351-2A80966530D4}"/>
-              </a:ext>
-            </a:extLst>
-          </p:cNvPr>
+          <p:cNvPr id="2" name="Title 1"/>
           <p:cNvSpPr>
             <a:spLocks noGrp="1"/>
           </p:cNvSpPr>
@@ -5167,140 +5329,44 @@
           <a:lstStyle/>
           <a:p>
             <a:r>
-              <a:rPr lang="de-DE" dirty="0"/>
-              <a:t>The Mean </a:t>
-            </a:r>
-            <a:r>
-              <a:rPr lang="de-DE" dirty="0" err="1"/>
-              <a:t>Squares</a:t>
-            </a:r>
-            <a:endParaRPr lang="en-GB" dirty="0"/>
-          </a:p>
-        </p:txBody>
-      </p:sp>
-      <p:sp>
-        <p:nvSpPr>
-          <p:cNvPr id="3" name="Inhaltsplatzhalter 2">
-            <a:extLst>
-              <a:ext uri="{FF2B5EF4-FFF2-40B4-BE49-F238E27FC236}">
-                <a16:creationId xmlns:a16="http://schemas.microsoft.com/office/drawing/2014/main" id="{96A5AF24-9887-4B9A-AEF7-1E7689199319}"/>
-              </a:ext>
-            </a:extLst>
-          </p:cNvPr>
-          <p:cNvSpPr>
-            <a:spLocks noGrp="1"/>
-          </p:cNvSpPr>
-          <p:nvPr>
-            <p:ph idx="1"/>
+              <a:rPr lang="en-GB" dirty="0" smtClean="0"/>
+              <a:t>The Location Map</a:t>
+            </a:r>
+            <a:endParaRPr lang="en-US" dirty="0"/>
+          </a:p>
+        </p:txBody>
+      </p:sp>
+      <p:sp>
+        <p:nvSpPr>
+          <p:cNvPr id="4" name="Date Placeholder 3"/>
+          <p:cNvSpPr>
+            <a:spLocks noGrp="1"/>
+          </p:cNvSpPr>
+          <p:nvPr>
+            <p:ph type="dt" sz="half" idx="10"/>
           </p:nvPr>
         </p:nvSpPr>
         <p:spPr/>
         <p:txBody>
-          <a:bodyPr>
-            <a:normAutofit lnSpcReduction="10000"/>
-          </a:bodyPr>
-          <a:lstStyle/>
-          <a:p>
-            <a:pPr marL="0" indent="0" algn="r">
-              <a:buNone/>
-            </a:pPr>
-            <a:endParaRPr lang="de-DE" dirty="0"/>
-          </a:p>
-          <a:p>
-            <a:pPr marL="0" indent="0" algn="r">
-              <a:buNone/>
-            </a:pPr>
-            <a:endParaRPr lang="de-DE" dirty="0"/>
-          </a:p>
-          <a:p>
-            <a:pPr marL="0" indent="0" algn="r">
-              <a:buNone/>
-            </a:pPr>
-            <a:endParaRPr lang="de-DE" dirty="0"/>
-          </a:p>
-          <a:p>
-            <a:pPr marL="0" indent="0" algn="r">
-              <a:buNone/>
-            </a:pPr>
-            <a:endParaRPr lang="de-DE" dirty="0"/>
-          </a:p>
-          <a:p>
-            <a:pPr marL="0" indent="0" algn="r">
-              <a:buNone/>
-            </a:pPr>
-            <a:r>
-              <a:rPr lang="de-DE" dirty="0"/>
-              <a:t>Dominik </a:t>
-            </a:r>
-            <a:r>
-              <a:rPr lang="de-DE" dirty="0" err="1"/>
-              <a:t>Windey</a:t>
-            </a:r>
-            <a:endParaRPr lang="de-DE" dirty="0"/>
-          </a:p>
-          <a:p>
-            <a:pPr marL="0" indent="0" algn="r">
-              <a:buNone/>
-            </a:pPr>
-            <a:r>
-              <a:rPr lang="de-DE" dirty="0"/>
-              <a:t>Eric Bonvin</a:t>
-            </a:r>
-          </a:p>
-          <a:p>
-            <a:pPr marL="0" indent="0" algn="r">
-              <a:buNone/>
-            </a:pPr>
-            <a:r>
-              <a:rPr lang="de-DE" dirty="0"/>
-              <a:t>Marco </a:t>
-            </a:r>
-            <a:r>
-              <a:rPr lang="de-DE" dirty="0" err="1"/>
-              <a:t>Ketzel</a:t>
-            </a:r>
-            <a:endParaRPr lang="de-DE" dirty="0"/>
-          </a:p>
-          <a:p>
-            <a:pPr marL="0" indent="0" algn="r">
-              <a:buNone/>
-            </a:pPr>
-            <a:r>
-              <a:rPr lang="de-DE" dirty="0"/>
-              <a:t>Andrei </a:t>
-            </a:r>
-            <a:r>
-              <a:rPr lang="de-DE" dirty="0" err="1"/>
-              <a:t>Militaru</a:t>
-            </a:r>
-            <a:endParaRPr lang="de-DE" dirty="0"/>
-          </a:p>
-          <a:p>
-            <a:pPr marL="0" indent="0" algn="r">
-              <a:buNone/>
-            </a:pPr>
-            <a:r>
-              <a:rPr lang="de-DE" dirty="0"/>
-              <a:t>Rebecca Westphal</a:t>
-            </a:r>
-            <a:endParaRPr lang="en-GB" dirty="0"/>
-          </a:p>
-        </p:txBody>
-      </p:sp>
-      <p:sp>
-        <p:nvSpPr>
-          <p:cNvPr id="4" name="Datumsplatzhalter 3">
-            <a:extLst>
-              <a:ext uri="{FF2B5EF4-FFF2-40B4-BE49-F238E27FC236}">
-                <a16:creationId xmlns:a16="http://schemas.microsoft.com/office/drawing/2014/main" id="{689085CA-69B2-429B-ABB4-DC46977C62DF}"/>
-              </a:ext>
-            </a:extLst>
-          </p:cNvPr>
-          <p:cNvSpPr>
-            <a:spLocks noGrp="1"/>
-          </p:cNvSpPr>
-          <p:nvPr>
-            <p:ph type="dt" sz="half" idx="10"/>
+          <a:bodyPr/>
+          <a:lstStyle/>
+          <a:p>
+            <a:r>
+              <a:rPr lang="en-US" smtClean="0"/>
+              <a:t>ASUS Robotics &amp; AI Center Challenge</a:t>
+            </a:r>
+            <a:endParaRPr lang="en-GB"/>
+          </a:p>
+        </p:txBody>
+      </p:sp>
+      <p:sp>
+        <p:nvSpPr>
+          <p:cNvPr id="5" name="Footer Placeholder 4"/>
+          <p:cNvSpPr>
+            <a:spLocks noGrp="1"/>
+          </p:cNvSpPr>
+          <p:nvPr>
+            <p:ph type="ftr" sz="quarter" idx="11"/>
           </p:nvPr>
         </p:nvSpPr>
         <p:spPr/>
@@ -5309,8 +5375,8 @@
           <a:lstStyle/>
           <a:p>
             <a:r>
-              <a:rPr lang="en-US"/>
-              <a:t>ASUS Robotics &amp; AI Center Challenge</a:t>
+              <a:rPr lang="en-GB" smtClean="0"/>
+              <a:t>The Mean Squares</a:t>
             </a:r>
             <a:endParaRPr lang="en-GB"/>
           </a:p>
@@ -5318,41 +5384,7 @@
       </p:sp>
       <p:sp>
         <p:nvSpPr>
-          <p:cNvPr id="5" name="Fußzeilenplatzhalter 4">
-            <a:extLst>
-              <a:ext uri="{FF2B5EF4-FFF2-40B4-BE49-F238E27FC236}">
-                <a16:creationId xmlns:a16="http://schemas.microsoft.com/office/drawing/2014/main" id="{893F0B33-2B5A-4D1A-BE0E-DE485402D5B8}"/>
-              </a:ext>
-            </a:extLst>
-          </p:cNvPr>
-          <p:cNvSpPr>
-            <a:spLocks noGrp="1"/>
-          </p:cNvSpPr>
-          <p:nvPr>
-            <p:ph type="ftr" sz="quarter" idx="11"/>
-          </p:nvPr>
-        </p:nvSpPr>
-        <p:spPr/>
-        <p:txBody>
-          <a:bodyPr/>
-          <a:lstStyle/>
-          <a:p>
-            <a:r>
-              <a:rPr lang="en-GB"/>
-              <a:t>The Mean Squares</a:t>
-            </a:r>
-          </a:p>
-        </p:txBody>
-      </p:sp>
-      <p:sp>
-        <p:nvSpPr>
-          <p:cNvPr id="6" name="Foliennummernplatzhalter 5">
-            <a:extLst>
-              <a:ext uri="{FF2B5EF4-FFF2-40B4-BE49-F238E27FC236}">
-                <a16:creationId xmlns:a16="http://schemas.microsoft.com/office/drawing/2014/main" id="{3E6463EC-14E5-4350-BD0C-58D969936F4A}"/>
-              </a:ext>
-            </a:extLst>
-          </p:cNvPr>
+          <p:cNvPr id="6" name="Slide Number Placeholder 5"/>
           <p:cNvSpPr>
             <a:spLocks noGrp="1"/>
           </p:cNvSpPr>
@@ -5370,6 +5402,494 @@
               <a:t>14</a:t>
             </a:fld>
             <a:endParaRPr lang="en-GB"/>
+          </a:p>
+        </p:txBody>
+      </p:sp>
+      <p:pic>
+        <p:nvPicPr>
+          <p:cNvPr id="7" name="Picture 6"/>
+          <p:cNvPicPr>
+            <a:picLocks noChangeAspect="1"/>
+          </p:cNvPicPr>
+          <p:nvPr/>
+        </p:nvPicPr>
+        <p:blipFill>
+          <a:blip r:embed="rId2"/>
+          <a:stretch>
+            <a:fillRect/>
+          </a:stretch>
+        </p:blipFill>
+        <p:spPr>
+          <a:xfrm>
+            <a:off x="2175877" y="1488181"/>
+            <a:ext cx="7840245" cy="4243057"/>
+          </a:xfrm>
+          <a:prstGeom prst="rect">
+            <a:avLst/>
+          </a:prstGeom>
+        </p:spPr>
+      </p:pic>
+    </p:spTree>
+    <p:extLst>
+      <p:ext uri="{BB962C8B-B14F-4D97-AF65-F5344CB8AC3E}">
+        <p14:creationId xmlns:p14="http://schemas.microsoft.com/office/powerpoint/2010/main" val="487260541"/>
+      </p:ext>
+    </p:extLst>
+  </p:cSld>
+  <p:clrMapOvr>
+    <a:masterClrMapping/>
+  </p:clrMapOvr>
+</p:sld>
+</file>
+
+<file path=ppt/slides/slide15.xml><?xml version="1.0" encoding="utf-8"?>
+<p:sld xmlns:a="http://schemas.openxmlformats.org/drawingml/2006/main" xmlns:r="http://schemas.openxmlformats.org/officeDocument/2006/relationships" xmlns:p="http://schemas.openxmlformats.org/presentationml/2006/main">
+  <p:cSld>
+    <p:spTree>
+      <p:nvGrpSpPr>
+        <p:cNvPr id="1" name=""/>
+        <p:cNvGrpSpPr/>
+        <p:nvPr/>
+      </p:nvGrpSpPr>
+      <p:grpSpPr>
+        <a:xfrm>
+          <a:off x="0" y="0"/>
+          <a:ext cx="0" cy="0"/>
+          <a:chOff x="0" y="0"/>
+          <a:chExt cx="0" cy="0"/>
+        </a:xfrm>
+      </p:grpSpPr>
+      <p:sp>
+        <p:nvSpPr>
+          <p:cNvPr id="2" name="Title 1"/>
+          <p:cNvSpPr>
+            <a:spLocks noGrp="1"/>
+          </p:cNvSpPr>
+          <p:nvPr>
+            <p:ph type="title"/>
+          </p:nvPr>
+        </p:nvSpPr>
+        <p:spPr/>
+        <p:txBody>
+          <a:bodyPr/>
+          <a:lstStyle/>
+          <a:p>
+            <a:r>
+              <a:rPr lang="en-GB" dirty="0" smtClean="0"/>
+              <a:t>The Data Monitor</a:t>
+            </a:r>
+            <a:endParaRPr lang="en-US" dirty="0"/>
+          </a:p>
+        </p:txBody>
+      </p:sp>
+      <p:sp>
+        <p:nvSpPr>
+          <p:cNvPr id="4" name="Date Placeholder 3"/>
+          <p:cNvSpPr>
+            <a:spLocks noGrp="1"/>
+          </p:cNvSpPr>
+          <p:nvPr>
+            <p:ph type="dt" sz="half" idx="10"/>
+          </p:nvPr>
+        </p:nvSpPr>
+        <p:spPr/>
+        <p:txBody>
+          <a:bodyPr/>
+          <a:lstStyle/>
+          <a:p>
+            <a:r>
+              <a:rPr lang="en-US" smtClean="0"/>
+              <a:t>ASUS Robotics &amp; AI Center Challenge</a:t>
+            </a:r>
+            <a:endParaRPr lang="en-GB"/>
+          </a:p>
+        </p:txBody>
+      </p:sp>
+      <p:sp>
+        <p:nvSpPr>
+          <p:cNvPr id="5" name="Footer Placeholder 4"/>
+          <p:cNvSpPr>
+            <a:spLocks noGrp="1"/>
+          </p:cNvSpPr>
+          <p:nvPr>
+            <p:ph type="ftr" sz="quarter" idx="11"/>
+          </p:nvPr>
+        </p:nvSpPr>
+        <p:spPr/>
+        <p:txBody>
+          <a:bodyPr/>
+          <a:lstStyle/>
+          <a:p>
+            <a:r>
+              <a:rPr lang="en-GB" smtClean="0"/>
+              <a:t>The Mean Squares</a:t>
+            </a:r>
+            <a:endParaRPr lang="en-GB"/>
+          </a:p>
+        </p:txBody>
+      </p:sp>
+      <p:sp>
+        <p:nvSpPr>
+          <p:cNvPr id="6" name="Slide Number Placeholder 5"/>
+          <p:cNvSpPr>
+            <a:spLocks noGrp="1"/>
+          </p:cNvSpPr>
+          <p:nvPr>
+            <p:ph type="sldNum" sz="quarter" idx="12"/>
+          </p:nvPr>
+        </p:nvSpPr>
+        <p:spPr/>
+        <p:txBody>
+          <a:bodyPr/>
+          <a:lstStyle/>
+          <a:p>
+            <a:fld id="{729B7826-D7EA-4ED7-AA55-2B2049A0AAD1}" type="slidenum">
+              <a:rPr lang="en-GB" smtClean="0"/>
+              <a:t>15</a:t>
+            </a:fld>
+            <a:endParaRPr lang="en-GB"/>
+          </a:p>
+        </p:txBody>
+      </p:sp>
+      <p:pic>
+        <p:nvPicPr>
+          <p:cNvPr id="7" name="Picture 6"/>
+          <p:cNvPicPr>
+            <a:picLocks noChangeAspect="1"/>
+          </p:cNvPicPr>
+          <p:nvPr/>
+        </p:nvPicPr>
+        <p:blipFill>
+          <a:blip r:embed="rId2"/>
+          <a:stretch>
+            <a:fillRect/>
+          </a:stretch>
+        </p:blipFill>
+        <p:spPr>
+          <a:xfrm>
+            <a:off x="6877050" y="1027906"/>
+            <a:ext cx="4230661" cy="4740891"/>
+          </a:xfrm>
+          <a:prstGeom prst="rect">
+            <a:avLst/>
+          </a:prstGeom>
+        </p:spPr>
+      </p:pic>
+      <p:sp>
+        <p:nvSpPr>
+          <p:cNvPr id="8" name="TextBox 7"/>
+          <p:cNvSpPr txBox="1"/>
+          <p:nvPr/>
+        </p:nvSpPr>
+        <p:spPr>
+          <a:xfrm>
+            <a:off x="1346128" y="2658708"/>
+            <a:ext cx="4470544" cy="1384995"/>
+          </a:xfrm>
+          <a:prstGeom prst="rect">
+            <a:avLst/>
+          </a:prstGeom>
+          <a:noFill/>
+        </p:spPr>
+        <p:txBody>
+          <a:bodyPr wrap="square" rtlCol="0">
+            <a:spAutoFit/>
+          </a:bodyPr>
+          <a:lstStyle/>
+          <a:p>
+            <a:r>
+              <a:rPr lang="en-GB" sz="2800" dirty="0" smtClean="0"/>
+              <a:t>Any Sensor can be added to the plot by entering the ID into the prompt.</a:t>
+            </a:r>
+            <a:endParaRPr lang="en-US" sz="2800" dirty="0"/>
+          </a:p>
+        </p:txBody>
+      </p:sp>
+    </p:spTree>
+    <p:extLst>
+      <p:ext uri="{BB962C8B-B14F-4D97-AF65-F5344CB8AC3E}">
+        <p14:creationId xmlns:p14="http://schemas.microsoft.com/office/powerpoint/2010/main" val="2008485187"/>
+      </p:ext>
+    </p:extLst>
+  </p:cSld>
+  <p:clrMapOvr>
+    <a:masterClrMapping/>
+  </p:clrMapOvr>
+</p:sld>
+</file>
+
+<file path=ppt/slides/slide16.xml><?xml version="1.0" encoding="utf-8"?>
+<p:sld xmlns:a="http://schemas.openxmlformats.org/drawingml/2006/main" xmlns:r="http://schemas.openxmlformats.org/officeDocument/2006/relationships" xmlns:p="http://schemas.openxmlformats.org/presentationml/2006/main">
+  <p:cSld>
+    <p:spTree>
+      <p:nvGrpSpPr>
+        <p:cNvPr id="1" name=""/>
+        <p:cNvGrpSpPr/>
+        <p:nvPr/>
+      </p:nvGrpSpPr>
+      <p:grpSpPr>
+        <a:xfrm>
+          <a:off x="0" y="0"/>
+          <a:ext cx="0" cy="0"/>
+          <a:chOff x="0" y="0"/>
+          <a:chExt cx="0" cy="0"/>
+        </a:xfrm>
+      </p:grpSpPr>
+      <p:sp>
+        <p:nvSpPr>
+          <p:cNvPr id="2" name="Titel 1">
+            <a:extLst>
+              <a:ext uri="{FF2B5EF4-FFF2-40B4-BE49-F238E27FC236}">
+                <a16:creationId xmlns:a16="http://schemas.microsoft.com/office/drawing/2014/main" id="{296D4D21-842A-427A-B351-2A80966530D4}"/>
+              </a:ext>
+            </a:extLst>
+          </p:cNvPr>
+          <p:cNvSpPr>
+            <a:spLocks noGrp="1"/>
+          </p:cNvSpPr>
+          <p:nvPr>
+            <p:ph type="title"/>
+          </p:nvPr>
+        </p:nvSpPr>
+        <p:spPr/>
+        <p:txBody>
+          <a:bodyPr/>
+          <a:lstStyle/>
+          <a:p>
+            <a:r>
+              <a:rPr lang="de-DE" dirty="0"/>
+              <a:t>The Mean </a:t>
+            </a:r>
+            <a:r>
+              <a:rPr lang="de-DE" dirty="0" err="1"/>
+              <a:t>Squares</a:t>
+            </a:r>
+            <a:endParaRPr lang="en-GB" dirty="0"/>
+          </a:p>
+        </p:txBody>
+      </p:sp>
+      <p:sp>
+        <p:nvSpPr>
+          <p:cNvPr id="3" name="Inhaltsplatzhalter 2">
+            <a:extLst>
+              <a:ext uri="{FF2B5EF4-FFF2-40B4-BE49-F238E27FC236}">
+                <a16:creationId xmlns:a16="http://schemas.microsoft.com/office/drawing/2014/main" id="{96A5AF24-9887-4B9A-AEF7-1E7689199319}"/>
+              </a:ext>
+            </a:extLst>
+          </p:cNvPr>
+          <p:cNvSpPr>
+            <a:spLocks noGrp="1"/>
+          </p:cNvSpPr>
+          <p:nvPr>
+            <p:ph idx="1"/>
+          </p:nvPr>
+        </p:nvSpPr>
+        <p:spPr/>
+        <p:txBody>
+          <a:bodyPr>
+            <a:normAutofit lnSpcReduction="10000"/>
+          </a:bodyPr>
+          <a:lstStyle/>
+          <a:p>
+            <a:pPr marL="0" indent="0" algn="r">
+              <a:buNone/>
+            </a:pPr>
+            <a:endParaRPr lang="de-DE" dirty="0"/>
+          </a:p>
+          <a:p>
+            <a:pPr marL="0" indent="0" algn="r">
+              <a:buNone/>
+            </a:pPr>
+            <a:endParaRPr lang="de-DE" dirty="0"/>
+          </a:p>
+          <a:p>
+            <a:pPr marL="0" indent="0" algn="r">
+              <a:buNone/>
+            </a:pPr>
+            <a:endParaRPr lang="de-DE" dirty="0"/>
+          </a:p>
+          <a:p>
+            <a:pPr marL="0" indent="0" algn="r">
+              <a:buNone/>
+            </a:pPr>
+            <a:endParaRPr lang="de-DE" dirty="0"/>
+          </a:p>
+          <a:p>
+            <a:pPr marL="0" indent="0" algn="r">
+              <a:buNone/>
+            </a:pPr>
+            <a:r>
+              <a:rPr lang="de-DE" dirty="0"/>
+              <a:t>Dominik </a:t>
+            </a:r>
+            <a:r>
+              <a:rPr lang="de-DE" dirty="0" err="1"/>
+              <a:t>Windey</a:t>
+            </a:r>
+            <a:endParaRPr lang="de-DE" dirty="0"/>
+          </a:p>
+          <a:p>
+            <a:pPr marL="0" indent="0" algn="r">
+              <a:buNone/>
+            </a:pPr>
+            <a:r>
+              <a:rPr lang="de-DE" dirty="0"/>
+              <a:t>Eric Bonvin</a:t>
+            </a:r>
+          </a:p>
+          <a:p>
+            <a:pPr marL="0" indent="0" algn="r">
+              <a:buNone/>
+            </a:pPr>
+            <a:r>
+              <a:rPr lang="de-DE" dirty="0"/>
+              <a:t>Marco </a:t>
+            </a:r>
+            <a:r>
+              <a:rPr lang="de-DE" dirty="0" err="1"/>
+              <a:t>Ketzel</a:t>
+            </a:r>
+            <a:endParaRPr lang="de-DE" dirty="0"/>
+          </a:p>
+          <a:p>
+            <a:pPr marL="0" indent="0" algn="r">
+              <a:buNone/>
+            </a:pPr>
+            <a:r>
+              <a:rPr lang="de-DE" dirty="0"/>
+              <a:t>Andrei </a:t>
+            </a:r>
+            <a:r>
+              <a:rPr lang="de-DE" dirty="0" err="1"/>
+              <a:t>Militaru</a:t>
+            </a:r>
+            <a:endParaRPr lang="de-DE" dirty="0"/>
+          </a:p>
+          <a:p>
+            <a:pPr marL="0" indent="0" algn="r">
+              <a:buNone/>
+            </a:pPr>
+            <a:r>
+              <a:rPr lang="de-DE" dirty="0"/>
+              <a:t>Rebecca Westphal</a:t>
+            </a:r>
+            <a:endParaRPr lang="en-GB" dirty="0"/>
+          </a:p>
+        </p:txBody>
+      </p:sp>
+      <p:sp>
+        <p:nvSpPr>
+          <p:cNvPr id="4" name="Datumsplatzhalter 3">
+            <a:extLst>
+              <a:ext uri="{FF2B5EF4-FFF2-40B4-BE49-F238E27FC236}">
+                <a16:creationId xmlns:a16="http://schemas.microsoft.com/office/drawing/2014/main" id="{689085CA-69B2-429B-ABB4-DC46977C62DF}"/>
+              </a:ext>
+            </a:extLst>
+          </p:cNvPr>
+          <p:cNvSpPr>
+            <a:spLocks noGrp="1"/>
+          </p:cNvSpPr>
+          <p:nvPr>
+            <p:ph type="dt" sz="half" idx="10"/>
+          </p:nvPr>
+        </p:nvSpPr>
+        <p:spPr/>
+        <p:txBody>
+          <a:bodyPr/>
+          <a:lstStyle/>
+          <a:p>
+            <a:r>
+              <a:rPr lang="en-US"/>
+              <a:t>ASUS Robotics &amp; AI Center Challenge</a:t>
+            </a:r>
+            <a:endParaRPr lang="en-GB"/>
+          </a:p>
+        </p:txBody>
+      </p:sp>
+      <p:sp>
+        <p:nvSpPr>
+          <p:cNvPr id="5" name="Fußzeilenplatzhalter 4">
+            <a:extLst>
+              <a:ext uri="{FF2B5EF4-FFF2-40B4-BE49-F238E27FC236}">
+                <a16:creationId xmlns:a16="http://schemas.microsoft.com/office/drawing/2014/main" id="{893F0B33-2B5A-4D1A-BE0E-DE485402D5B8}"/>
+              </a:ext>
+            </a:extLst>
+          </p:cNvPr>
+          <p:cNvSpPr>
+            <a:spLocks noGrp="1"/>
+          </p:cNvSpPr>
+          <p:nvPr>
+            <p:ph type="ftr" sz="quarter" idx="11"/>
+          </p:nvPr>
+        </p:nvSpPr>
+        <p:spPr/>
+        <p:txBody>
+          <a:bodyPr/>
+          <a:lstStyle/>
+          <a:p>
+            <a:r>
+              <a:rPr lang="en-GB"/>
+              <a:t>The Mean Squares</a:t>
+            </a:r>
+          </a:p>
+        </p:txBody>
+      </p:sp>
+      <p:sp>
+        <p:nvSpPr>
+          <p:cNvPr id="6" name="Foliennummernplatzhalter 5">
+            <a:extLst>
+              <a:ext uri="{FF2B5EF4-FFF2-40B4-BE49-F238E27FC236}">
+                <a16:creationId xmlns:a16="http://schemas.microsoft.com/office/drawing/2014/main" id="{3E6463EC-14E5-4350-BD0C-58D969936F4A}"/>
+              </a:ext>
+            </a:extLst>
+          </p:cNvPr>
+          <p:cNvSpPr>
+            <a:spLocks noGrp="1"/>
+          </p:cNvSpPr>
+          <p:nvPr>
+            <p:ph type="sldNum" sz="quarter" idx="12"/>
+          </p:nvPr>
+        </p:nvSpPr>
+        <p:spPr/>
+        <p:txBody>
+          <a:bodyPr/>
+          <a:lstStyle/>
+          <a:p>
+            <a:fld id="{729B7826-D7EA-4ED7-AA55-2B2049A0AAD1}" type="slidenum">
+              <a:rPr lang="en-GB" smtClean="0"/>
+              <a:t>16</a:t>
+            </a:fld>
+            <a:endParaRPr lang="en-GB"/>
+          </a:p>
+        </p:txBody>
+      </p:sp>
+      <p:sp>
+        <p:nvSpPr>
+          <p:cNvPr id="7" name="TextBox 6"/>
+          <p:cNvSpPr txBox="1"/>
+          <p:nvPr/>
+        </p:nvSpPr>
+        <p:spPr>
+          <a:xfrm>
+            <a:off x="694167" y="5441430"/>
+            <a:ext cx="5774466" cy="369332"/>
+          </a:xfrm>
+          <a:prstGeom prst="rect">
+            <a:avLst/>
+          </a:prstGeom>
+          <a:noFill/>
+        </p:spPr>
+        <p:txBody>
+          <a:bodyPr wrap="none" rtlCol="0">
+            <a:spAutoFit/>
+          </a:bodyPr>
+          <a:lstStyle/>
+          <a:p>
+            <a:r>
+              <a:rPr lang="en-GB" dirty="0" smtClean="0"/>
+              <a:t>Remark: The software is most intensively tested on Ubuntu.</a:t>
+            </a:r>
+            <a:endParaRPr lang="en-US" dirty="0"/>
           </a:p>
         </p:txBody>
       </p:sp>
